--- a/ppt/MCTS.pptx
+++ b/ppt/MCTS.pptx
@@ -7,6 +7,7 @@
   <p:sldIdLst>
     <p:sldId id="256" r:id="rId2"/>
     <p:sldId id="257" r:id="rId3"/>
+    <p:sldId id="258" r:id="rId4"/>
   </p:sldIdLst>
   <p:sldSz cx="12192000" cy="6858000"/>
   <p:notesSz cx="6858000" cy="9144000"/>
@@ -105,6 +106,11 @@
       </a:defRPr>
     </a:lvl9pPr>
   </p:defaultTextStyle>
+  <p:extLst>
+    <p:ext uri="{EFAFB233-063F-42B5-8137-9DF3F51BA10A}">
+      <p15:sldGuideLst xmlns:p15="http://schemas.microsoft.com/office/powerpoint/2012/main"/>
+    </p:ext>
+  </p:extLst>
 </p:presentation>
 </file>
 
@@ -255,7 +261,7 @@
           <a:p>
             <a:fld id="{EC41F8EA-1673-4200-A69C-0FB2C92771E5}" type="datetimeFigureOut">
               <a:rPr lang="en-US" smtClean="0"/>
-              <a:t>3/11/2021</a:t>
+              <a:t>3/17/21</a:t>
             </a:fld>
             <a:endParaRPr lang="en-US"/>
           </a:p>
@@ -453,7 +459,7 @@
           <a:p>
             <a:fld id="{EC41F8EA-1673-4200-A69C-0FB2C92771E5}" type="datetimeFigureOut">
               <a:rPr lang="en-US" smtClean="0"/>
-              <a:t>3/11/2021</a:t>
+              <a:t>3/17/21</a:t>
             </a:fld>
             <a:endParaRPr lang="en-US"/>
           </a:p>
@@ -661,7 +667,7 @@
           <a:p>
             <a:fld id="{EC41F8EA-1673-4200-A69C-0FB2C92771E5}" type="datetimeFigureOut">
               <a:rPr lang="en-US" smtClean="0"/>
-              <a:t>3/11/2021</a:t>
+              <a:t>3/17/21</a:t>
             </a:fld>
             <a:endParaRPr lang="en-US"/>
           </a:p>
@@ -859,7 +865,7 @@
           <a:p>
             <a:fld id="{EC41F8EA-1673-4200-A69C-0FB2C92771E5}" type="datetimeFigureOut">
               <a:rPr lang="en-US" smtClean="0"/>
-              <a:t>3/11/2021</a:t>
+              <a:t>3/17/21</a:t>
             </a:fld>
             <a:endParaRPr lang="en-US"/>
           </a:p>
@@ -1134,7 +1140,7 @@
           <a:p>
             <a:fld id="{EC41F8EA-1673-4200-A69C-0FB2C92771E5}" type="datetimeFigureOut">
               <a:rPr lang="en-US" smtClean="0"/>
-              <a:t>3/11/2021</a:t>
+              <a:t>3/17/21</a:t>
             </a:fld>
             <a:endParaRPr lang="en-US"/>
           </a:p>
@@ -1399,7 +1405,7 @@
           <a:p>
             <a:fld id="{EC41F8EA-1673-4200-A69C-0FB2C92771E5}" type="datetimeFigureOut">
               <a:rPr lang="en-US" smtClean="0"/>
-              <a:t>3/11/2021</a:t>
+              <a:t>3/17/21</a:t>
             </a:fld>
             <a:endParaRPr lang="en-US"/>
           </a:p>
@@ -1811,7 +1817,7 @@
           <a:p>
             <a:fld id="{EC41F8EA-1673-4200-A69C-0FB2C92771E5}" type="datetimeFigureOut">
               <a:rPr lang="en-US" smtClean="0"/>
-              <a:t>3/11/2021</a:t>
+              <a:t>3/17/21</a:t>
             </a:fld>
             <a:endParaRPr lang="en-US"/>
           </a:p>
@@ -1952,7 +1958,7 @@
           <a:p>
             <a:fld id="{EC41F8EA-1673-4200-A69C-0FB2C92771E5}" type="datetimeFigureOut">
               <a:rPr lang="en-US" smtClean="0"/>
-              <a:t>3/11/2021</a:t>
+              <a:t>3/17/21</a:t>
             </a:fld>
             <a:endParaRPr lang="en-US"/>
           </a:p>
@@ -2065,7 +2071,7 @@
           <a:p>
             <a:fld id="{EC41F8EA-1673-4200-A69C-0FB2C92771E5}" type="datetimeFigureOut">
               <a:rPr lang="en-US" smtClean="0"/>
-              <a:t>3/11/2021</a:t>
+              <a:t>3/17/21</a:t>
             </a:fld>
             <a:endParaRPr lang="en-US"/>
           </a:p>
@@ -2376,7 +2382,7 @@
           <a:p>
             <a:fld id="{EC41F8EA-1673-4200-A69C-0FB2C92771E5}" type="datetimeFigureOut">
               <a:rPr lang="en-US" smtClean="0"/>
-              <a:t>3/11/2021</a:t>
+              <a:t>3/17/21</a:t>
             </a:fld>
             <a:endParaRPr lang="en-US"/>
           </a:p>
@@ -2664,7 +2670,7 @@
           <a:p>
             <a:fld id="{EC41F8EA-1673-4200-A69C-0FB2C92771E5}" type="datetimeFigureOut">
               <a:rPr lang="en-US" smtClean="0"/>
-              <a:t>3/11/2021</a:t>
+              <a:t>3/17/21</a:t>
             </a:fld>
             <a:endParaRPr lang="en-US"/>
           </a:p>
@@ -2905,7 +2911,7 @@
           <a:p>
             <a:fld id="{EC41F8EA-1673-4200-A69C-0FB2C92771E5}" type="datetimeFigureOut">
               <a:rPr lang="en-US" smtClean="0"/>
-              <a:t>3/11/2021</a:t>
+              <a:t>3/17/21</a:t>
             </a:fld>
             <a:endParaRPr lang="en-US"/>
           </a:p>
@@ -3429,31 +3435,317 @@
           <a:bodyPr/>
           <a:lstStyle/>
           <a:p>
+            <a:r>
+              <a:rPr lang="en-US" dirty="0"/>
+              <a:t>Tic-Tac-Toe</a:t>
+            </a:r>
+          </a:p>
+        </p:txBody>
+      </p:sp>
+      <p:graphicFrame>
+        <p:nvGraphicFramePr>
+          <p:cNvPr id="7" name="Table 7">
+            <a:extLst>
+              <a:ext uri="{FF2B5EF4-FFF2-40B4-BE49-F238E27FC236}">
+                <a16:creationId xmlns:a16="http://schemas.microsoft.com/office/drawing/2014/main" id="{012386C3-D27A-C643-9F55-60CC9238747A}"/>
+              </a:ext>
+            </a:extLst>
+          </p:cNvPr>
+          <p:cNvGraphicFramePr>
+            <a:graphicFrameLocks noGrp="1"/>
+          </p:cNvGraphicFramePr>
+          <p:nvPr>
+            <p:extLst>
+              <p:ext uri="{D42A27DB-BD31-4B8C-83A1-F6EECF244321}">
+                <p14:modId xmlns:p14="http://schemas.microsoft.com/office/powerpoint/2010/main" val="2540753383"/>
+              </p:ext>
+            </p:extLst>
+          </p:nvPr>
+        </p:nvGraphicFramePr>
+        <p:xfrm>
+          <a:off x="1889496" y="2040498"/>
+          <a:ext cx="2107458" cy="1937736"/>
+        </p:xfrm>
+        <a:graphic>
+          <a:graphicData uri="http://schemas.openxmlformats.org/drawingml/2006/table">
+            <a:tbl>
+              <a:tblPr firstRow="1" bandRow="1">
+                <a:tableStyleId>{5940675A-B579-460E-94D1-54222C63F5DA}</a:tableStyleId>
+              </a:tblPr>
+              <a:tblGrid>
+                <a:gridCol w="702486">
+                  <a:extLst>
+                    <a:ext uri="{9D8B030D-6E8A-4147-A177-3AD203B41FA5}">
+                      <a16:colId xmlns:a16="http://schemas.microsoft.com/office/drawing/2014/main" val="3422725644"/>
+                    </a:ext>
+                  </a:extLst>
+                </a:gridCol>
+                <a:gridCol w="702486">
+                  <a:extLst>
+                    <a:ext uri="{9D8B030D-6E8A-4147-A177-3AD203B41FA5}">
+                      <a16:colId xmlns:a16="http://schemas.microsoft.com/office/drawing/2014/main" val="4162078977"/>
+                    </a:ext>
+                  </a:extLst>
+                </a:gridCol>
+                <a:gridCol w="702486">
+                  <a:extLst>
+                    <a:ext uri="{9D8B030D-6E8A-4147-A177-3AD203B41FA5}">
+                      <a16:colId xmlns:a16="http://schemas.microsoft.com/office/drawing/2014/main" val="3063146773"/>
+                    </a:ext>
+                  </a:extLst>
+                </a:gridCol>
+              </a:tblGrid>
+              <a:tr h="645912">
+                <a:tc>
+                  <a:txBody>
+                    <a:bodyPr/>
+                    <a:lstStyle/>
+                    <a:p>
+                      <a:endParaRPr lang="en-US"/>
+                    </a:p>
+                  </a:txBody>
+                  <a:tcPr/>
+                </a:tc>
+                <a:tc>
+                  <a:txBody>
+                    <a:bodyPr/>
+                    <a:lstStyle/>
+                    <a:p>
+                      <a:endParaRPr lang="en-US"/>
+                    </a:p>
+                  </a:txBody>
+                  <a:tcPr/>
+                </a:tc>
+                <a:tc>
+                  <a:txBody>
+                    <a:bodyPr/>
+                    <a:lstStyle/>
+                    <a:p>
+                      <a:endParaRPr lang="en-US"/>
+                    </a:p>
+                  </a:txBody>
+                  <a:tcPr/>
+                </a:tc>
+                <a:extLst>
+                  <a:ext uri="{0D108BD9-81ED-4DB2-BD59-A6C34878D82A}">
+                    <a16:rowId xmlns:a16="http://schemas.microsoft.com/office/drawing/2014/main" val="1308187709"/>
+                  </a:ext>
+                </a:extLst>
+              </a:tr>
+              <a:tr h="645912">
+                <a:tc>
+                  <a:txBody>
+                    <a:bodyPr/>
+                    <a:lstStyle/>
+                    <a:p>
+                      <a:endParaRPr lang="en-US"/>
+                    </a:p>
+                  </a:txBody>
+                  <a:tcPr/>
+                </a:tc>
+                <a:tc>
+                  <a:txBody>
+                    <a:bodyPr/>
+                    <a:lstStyle/>
+                    <a:p>
+                      <a:endParaRPr lang="en-US" dirty="0"/>
+                    </a:p>
+                  </a:txBody>
+                  <a:tcPr/>
+                </a:tc>
+                <a:tc>
+                  <a:txBody>
+                    <a:bodyPr/>
+                    <a:lstStyle/>
+                    <a:p>
+                      <a:endParaRPr lang="en-US"/>
+                    </a:p>
+                  </a:txBody>
+                  <a:tcPr/>
+                </a:tc>
+                <a:extLst>
+                  <a:ext uri="{0D108BD9-81ED-4DB2-BD59-A6C34878D82A}">
+                    <a16:rowId xmlns:a16="http://schemas.microsoft.com/office/drawing/2014/main" val="3562062163"/>
+                  </a:ext>
+                </a:extLst>
+              </a:tr>
+              <a:tr h="645912">
+                <a:tc>
+                  <a:txBody>
+                    <a:bodyPr/>
+                    <a:lstStyle/>
+                    <a:p>
+                      <a:endParaRPr lang="en-US"/>
+                    </a:p>
+                  </a:txBody>
+                  <a:tcPr/>
+                </a:tc>
+                <a:tc>
+                  <a:txBody>
+                    <a:bodyPr/>
+                    <a:lstStyle/>
+                    <a:p>
+                      <a:endParaRPr lang="en-US"/>
+                    </a:p>
+                  </a:txBody>
+                  <a:tcPr/>
+                </a:tc>
+                <a:tc>
+                  <a:txBody>
+                    <a:bodyPr/>
+                    <a:lstStyle/>
+                    <a:p>
+                      <a:endParaRPr lang="en-US" dirty="0"/>
+                    </a:p>
+                  </a:txBody>
+                  <a:tcPr/>
+                </a:tc>
+                <a:extLst>
+                  <a:ext uri="{0D108BD9-81ED-4DB2-BD59-A6C34878D82A}">
+                    <a16:rowId xmlns:a16="http://schemas.microsoft.com/office/drawing/2014/main" val="2318817883"/>
+                  </a:ext>
+                </a:extLst>
+              </a:tr>
+            </a:tbl>
+          </a:graphicData>
+        </a:graphic>
+      </p:graphicFrame>
+      <p:sp>
+        <p:nvSpPr>
+          <p:cNvPr id="8" name="Oval 7">
+            <a:extLst>
+              <a:ext uri="{FF2B5EF4-FFF2-40B4-BE49-F238E27FC236}">
+                <a16:creationId xmlns:a16="http://schemas.microsoft.com/office/drawing/2014/main" id="{2A4527EB-3204-C348-B703-7BE4A3202E6B}"/>
+              </a:ext>
+            </a:extLst>
+          </p:cNvPr>
+          <p:cNvSpPr/>
+          <p:nvPr/>
+        </p:nvSpPr>
+        <p:spPr>
+          <a:xfrm>
+            <a:off x="2032000" y="3429000"/>
+            <a:ext cx="461818" cy="430481"/>
+          </a:xfrm>
+          <a:prstGeom prst="ellipse">
+            <a:avLst/>
+          </a:prstGeom>
+        </p:spPr>
+        <p:style>
+          <a:lnRef idx="2">
+            <a:schemeClr val="dk1">
+              <a:shade val="50000"/>
+            </a:schemeClr>
+          </a:lnRef>
+          <a:fillRef idx="1">
+            <a:schemeClr val="dk1"/>
+          </a:fillRef>
+          <a:effectRef idx="0">
+            <a:schemeClr val="dk1"/>
+          </a:effectRef>
+          <a:fontRef idx="minor">
+            <a:schemeClr val="lt1"/>
+          </a:fontRef>
+        </p:style>
+        <p:txBody>
+          <a:bodyPr rtlCol="0" anchor="ctr"/>
+          <a:lstStyle/>
+          <a:p>
+            <a:pPr algn="ctr"/>
+            <a:endParaRPr lang="en-US"/>
+          </a:p>
+        </p:txBody>
+      </p:sp>
+      <p:sp>
+        <p:nvSpPr>
+          <p:cNvPr id="9" name="Cross 8">
+            <a:extLst>
+              <a:ext uri="{FF2B5EF4-FFF2-40B4-BE49-F238E27FC236}">
+                <a16:creationId xmlns:a16="http://schemas.microsoft.com/office/drawing/2014/main" id="{83D7F964-CB9C-7947-854F-2F42DD040DBF}"/>
+              </a:ext>
+            </a:extLst>
+          </p:cNvPr>
+          <p:cNvSpPr/>
+          <p:nvPr/>
+        </p:nvSpPr>
+        <p:spPr>
+          <a:xfrm rot="18900000">
+            <a:off x="4140200" y="2596411"/>
+            <a:ext cx="605642" cy="605642"/>
+          </a:xfrm>
+          <a:prstGeom prst="plus">
+            <a:avLst>
+              <a:gd name="adj" fmla="val 38726"/>
+            </a:avLst>
+          </a:prstGeom>
+        </p:spPr>
+        <p:style>
+          <a:lnRef idx="2">
+            <a:schemeClr val="dk1">
+              <a:shade val="50000"/>
+            </a:schemeClr>
+          </a:lnRef>
+          <a:fillRef idx="1">
+            <a:schemeClr val="dk1"/>
+          </a:fillRef>
+          <a:effectRef idx="0">
+            <a:schemeClr val="dk1"/>
+          </a:effectRef>
+          <a:fontRef idx="minor">
+            <a:schemeClr val="lt1"/>
+          </a:fontRef>
+        </p:style>
+        <p:txBody>
+          <a:bodyPr rtlCol="0" anchor="ctr"/>
+          <a:lstStyle/>
+          <a:p>
+            <a:pPr algn="ctr"/>
             <a:endParaRPr lang="en-US" dirty="0"/>
           </a:p>
         </p:txBody>
       </p:sp>
       <p:sp>
         <p:nvSpPr>
-          <p:cNvPr id="3" name="Content Placeholder 2">
-            <a:extLst>
-              <a:ext uri="{FF2B5EF4-FFF2-40B4-BE49-F238E27FC236}">
-                <a16:creationId xmlns:a16="http://schemas.microsoft.com/office/drawing/2014/main" id="{9F5A2C7B-02B5-42D5-A9FF-C48B12349308}"/>
-              </a:ext>
-            </a:extLst>
-          </p:cNvPr>
-          <p:cNvSpPr>
-            <a:spLocks noGrp="1"/>
-          </p:cNvSpPr>
-          <p:nvPr>
-            <p:ph idx="1"/>
-          </p:nvPr>
-        </p:nvSpPr>
-        <p:spPr/>
-        <p:txBody>
-          <a:bodyPr/>
+          <p:cNvPr id="10" name="Oval 9">
+            <a:extLst>
+              <a:ext uri="{FF2B5EF4-FFF2-40B4-BE49-F238E27FC236}">
+                <a16:creationId xmlns:a16="http://schemas.microsoft.com/office/drawing/2014/main" id="{2E7EFCC6-5814-A445-8321-0E53E19755AA}"/>
+              </a:ext>
+            </a:extLst>
+          </p:cNvPr>
+          <p:cNvSpPr/>
+          <p:nvPr/>
+        </p:nvSpPr>
+        <p:spPr>
+          <a:xfrm>
+            <a:off x="4191907" y="2040498"/>
+            <a:ext cx="461818" cy="430481"/>
+          </a:xfrm>
+          <a:prstGeom prst="ellipse">
+            <a:avLst/>
+          </a:prstGeom>
+        </p:spPr>
+        <p:style>
+          <a:lnRef idx="2">
+            <a:schemeClr val="dk1">
+              <a:shade val="50000"/>
+            </a:schemeClr>
+          </a:lnRef>
+          <a:fillRef idx="1">
+            <a:schemeClr val="dk1"/>
+          </a:fillRef>
+          <a:effectRef idx="0">
+            <a:schemeClr val="dk1"/>
+          </a:effectRef>
+          <a:fontRef idx="minor">
+            <a:schemeClr val="lt1"/>
+          </a:fontRef>
+        </p:style>
+        <p:txBody>
+          <a:bodyPr rtlCol="0" anchor="ctr"/>
           <a:lstStyle/>
           <a:p>
+            <a:pPr algn="ctr"/>
             <a:endParaRPr lang="en-US"/>
           </a:p>
         </p:txBody>
@@ -3462,6 +3754,2384 @@
     <p:extLst>
       <p:ext uri="{BB962C8B-B14F-4D97-AF65-F5344CB8AC3E}">
         <p14:creationId xmlns:p14="http://schemas.microsoft.com/office/powerpoint/2010/main" val="2689567313"/>
+      </p:ext>
+    </p:extLst>
+  </p:cSld>
+  <p:clrMapOvr>
+    <a:masterClrMapping/>
+  </p:clrMapOvr>
+</p:sld>
+</file>
+
+<file path=ppt/slides/slide3.xml><?xml version="1.0" encoding="utf-8"?>
+<p:sld xmlns:a="http://schemas.openxmlformats.org/drawingml/2006/main" xmlns:r="http://schemas.openxmlformats.org/officeDocument/2006/relationships" xmlns:p="http://schemas.openxmlformats.org/presentationml/2006/main">
+  <p:cSld>
+    <p:spTree>
+      <p:nvGrpSpPr>
+        <p:cNvPr id="1" name=""/>
+        <p:cNvGrpSpPr/>
+        <p:nvPr/>
+      </p:nvGrpSpPr>
+      <p:grpSpPr>
+        <a:xfrm>
+          <a:off x="0" y="0"/>
+          <a:ext cx="0" cy="0"/>
+          <a:chOff x="0" y="0"/>
+          <a:chExt cx="0" cy="0"/>
+        </a:xfrm>
+      </p:grpSpPr>
+      <p:sp>
+        <p:nvSpPr>
+          <p:cNvPr id="2" name="Title 1">
+            <a:extLst>
+              <a:ext uri="{FF2B5EF4-FFF2-40B4-BE49-F238E27FC236}">
+                <a16:creationId xmlns:a16="http://schemas.microsoft.com/office/drawing/2014/main" id="{5D74990B-6A48-4C8C-AE93-FF773D2A9900}"/>
+              </a:ext>
+            </a:extLst>
+          </p:cNvPr>
+          <p:cNvSpPr>
+            <a:spLocks noGrp="1"/>
+          </p:cNvSpPr>
+          <p:nvPr>
+            <p:ph type="title"/>
+          </p:nvPr>
+        </p:nvSpPr>
+        <p:spPr/>
+        <p:txBody>
+          <a:bodyPr/>
+          <a:lstStyle/>
+          <a:p>
+            <a:r>
+              <a:rPr lang="en-US" dirty="0"/>
+              <a:t>Naive AI to solve Tic-Tac-Toe</a:t>
+            </a:r>
+          </a:p>
+        </p:txBody>
+      </p:sp>
+      <p:graphicFrame>
+        <p:nvGraphicFramePr>
+          <p:cNvPr id="7" name="Table 7">
+            <a:extLst>
+              <a:ext uri="{FF2B5EF4-FFF2-40B4-BE49-F238E27FC236}">
+                <a16:creationId xmlns:a16="http://schemas.microsoft.com/office/drawing/2014/main" id="{012386C3-D27A-C643-9F55-60CC9238747A}"/>
+              </a:ext>
+            </a:extLst>
+          </p:cNvPr>
+          <p:cNvGraphicFramePr>
+            <a:graphicFrameLocks noGrp="1"/>
+          </p:cNvGraphicFramePr>
+          <p:nvPr/>
+        </p:nvGraphicFramePr>
+        <p:xfrm>
+          <a:off x="1889496" y="2040498"/>
+          <a:ext cx="2107458" cy="1937736"/>
+        </p:xfrm>
+        <a:graphic>
+          <a:graphicData uri="http://schemas.openxmlformats.org/drawingml/2006/table">
+            <a:tbl>
+              <a:tblPr firstRow="1" bandRow="1">
+                <a:tableStyleId>{5940675A-B579-460E-94D1-54222C63F5DA}</a:tableStyleId>
+              </a:tblPr>
+              <a:tblGrid>
+                <a:gridCol w="702486">
+                  <a:extLst>
+                    <a:ext uri="{9D8B030D-6E8A-4147-A177-3AD203B41FA5}">
+                      <a16:colId xmlns:a16="http://schemas.microsoft.com/office/drawing/2014/main" val="3422725644"/>
+                    </a:ext>
+                  </a:extLst>
+                </a:gridCol>
+                <a:gridCol w="702486">
+                  <a:extLst>
+                    <a:ext uri="{9D8B030D-6E8A-4147-A177-3AD203B41FA5}">
+                      <a16:colId xmlns:a16="http://schemas.microsoft.com/office/drawing/2014/main" val="4162078977"/>
+                    </a:ext>
+                  </a:extLst>
+                </a:gridCol>
+                <a:gridCol w="702486">
+                  <a:extLst>
+                    <a:ext uri="{9D8B030D-6E8A-4147-A177-3AD203B41FA5}">
+                      <a16:colId xmlns:a16="http://schemas.microsoft.com/office/drawing/2014/main" val="3063146773"/>
+                    </a:ext>
+                  </a:extLst>
+                </a:gridCol>
+              </a:tblGrid>
+              <a:tr h="645912">
+                <a:tc>
+                  <a:txBody>
+                    <a:bodyPr/>
+                    <a:lstStyle/>
+                    <a:p>
+                      <a:endParaRPr lang="en-US"/>
+                    </a:p>
+                  </a:txBody>
+                  <a:tcPr/>
+                </a:tc>
+                <a:tc>
+                  <a:txBody>
+                    <a:bodyPr/>
+                    <a:lstStyle/>
+                    <a:p>
+                      <a:endParaRPr lang="en-US"/>
+                    </a:p>
+                  </a:txBody>
+                  <a:tcPr/>
+                </a:tc>
+                <a:tc>
+                  <a:txBody>
+                    <a:bodyPr/>
+                    <a:lstStyle/>
+                    <a:p>
+                      <a:endParaRPr lang="en-US"/>
+                    </a:p>
+                  </a:txBody>
+                  <a:tcPr/>
+                </a:tc>
+                <a:extLst>
+                  <a:ext uri="{0D108BD9-81ED-4DB2-BD59-A6C34878D82A}">
+                    <a16:rowId xmlns:a16="http://schemas.microsoft.com/office/drawing/2014/main" val="1308187709"/>
+                  </a:ext>
+                </a:extLst>
+              </a:tr>
+              <a:tr h="645912">
+                <a:tc>
+                  <a:txBody>
+                    <a:bodyPr/>
+                    <a:lstStyle/>
+                    <a:p>
+                      <a:endParaRPr lang="en-US"/>
+                    </a:p>
+                  </a:txBody>
+                  <a:tcPr/>
+                </a:tc>
+                <a:tc>
+                  <a:txBody>
+                    <a:bodyPr/>
+                    <a:lstStyle/>
+                    <a:p>
+                      <a:endParaRPr lang="en-US" dirty="0"/>
+                    </a:p>
+                  </a:txBody>
+                  <a:tcPr/>
+                </a:tc>
+                <a:tc>
+                  <a:txBody>
+                    <a:bodyPr/>
+                    <a:lstStyle/>
+                    <a:p>
+                      <a:endParaRPr lang="en-US"/>
+                    </a:p>
+                  </a:txBody>
+                  <a:tcPr/>
+                </a:tc>
+                <a:extLst>
+                  <a:ext uri="{0D108BD9-81ED-4DB2-BD59-A6C34878D82A}">
+                    <a16:rowId xmlns:a16="http://schemas.microsoft.com/office/drawing/2014/main" val="3562062163"/>
+                  </a:ext>
+                </a:extLst>
+              </a:tr>
+              <a:tr h="645912">
+                <a:tc>
+                  <a:txBody>
+                    <a:bodyPr/>
+                    <a:lstStyle/>
+                    <a:p>
+                      <a:endParaRPr lang="en-US"/>
+                    </a:p>
+                  </a:txBody>
+                  <a:tcPr/>
+                </a:tc>
+                <a:tc>
+                  <a:txBody>
+                    <a:bodyPr/>
+                    <a:lstStyle/>
+                    <a:p>
+                      <a:endParaRPr lang="en-US"/>
+                    </a:p>
+                  </a:txBody>
+                  <a:tcPr/>
+                </a:tc>
+                <a:tc>
+                  <a:txBody>
+                    <a:bodyPr/>
+                    <a:lstStyle/>
+                    <a:p>
+                      <a:endParaRPr lang="en-US" dirty="0"/>
+                    </a:p>
+                  </a:txBody>
+                  <a:tcPr/>
+                </a:tc>
+                <a:extLst>
+                  <a:ext uri="{0D108BD9-81ED-4DB2-BD59-A6C34878D82A}">
+                    <a16:rowId xmlns:a16="http://schemas.microsoft.com/office/drawing/2014/main" val="2318817883"/>
+                  </a:ext>
+                </a:extLst>
+              </a:tr>
+            </a:tbl>
+          </a:graphicData>
+        </a:graphic>
+      </p:graphicFrame>
+      <p:sp>
+        <p:nvSpPr>
+          <p:cNvPr id="9" name="Cross 8">
+            <a:extLst>
+              <a:ext uri="{FF2B5EF4-FFF2-40B4-BE49-F238E27FC236}">
+                <a16:creationId xmlns:a16="http://schemas.microsoft.com/office/drawing/2014/main" id="{83D7F964-CB9C-7947-854F-2F42DD040DBF}"/>
+              </a:ext>
+            </a:extLst>
+          </p:cNvPr>
+          <p:cNvSpPr/>
+          <p:nvPr/>
+        </p:nvSpPr>
+        <p:spPr>
+          <a:xfrm rot="18900000">
+            <a:off x="4140200" y="2596411"/>
+            <a:ext cx="605642" cy="605642"/>
+          </a:xfrm>
+          <a:prstGeom prst="plus">
+            <a:avLst>
+              <a:gd name="adj" fmla="val 38726"/>
+            </a:avLst>
+          </a:prstGeom>
+        </p:spPr>
+        <p:style>
+          <a:lnRef idx="2">
+            <a:schemeClr val="dk1">
+              <a:shade val="50000"/>
+            </a:schemeClr>
+          </a:lnRef>
+          <a:fillRef idx="1">
+            <a:schemeClr val="dk1"/>
+          </a:fillRef>
+          <a:effectRef idx="0">
+            <a:schemeClr val="dk1"/>
+          </a:effectRef>
+          <a:fontRef idx="minor">
+            <a:schemeClr val="lt1"/>
+          </a:fontRef>
+        </p:style>
+        <p:txBody>
+          <a:bodyPr rtlCol="0" anchor="ctr"/>
+          <a:lstStyle/>
+          <a:p>
+            <a:pPr algn="ctr"/>
+            <a:endParaRPr lang="en-US" dirty="0"/>
+          </a:p>
+        </p:txBody>
+      </p:sp>
+      <p:sp>
+        <p:nvSpPr>
+          <p:cNvPr id="10" name="Oval 9">
+            <a:extLst>
+              <a:ext uri="{FF2B5EF4-FFF2-40B4-BE49-F238E27FC236}">
+                <a16:creationId xmlns:a16="http://schemas.microsoft.com/office/drawing/2014/main" id="{2E7EFCC6-5814-A445-8321-0E53E19755AA}"/>
+              </a:ext>
+            </a:extLst>
+          </p:cNvPr>
+          <p:cNvSpPr/>
+          <p:nvPr/>
+        </p:nvSpPr>
+        <p:spPr>
+          <a:xfrm>
+            <a:off x="4212112" y="2040498"/>
+            <a:ext cx="461818" cy="430481"/>
+          </a:xfrm>
+          <a:prstGeom prst="ellipse">
+            <a:avLst/>
+          </a:prstGeom>
+        </p:spPr>
+        <p:style>
+          <a:lnRef idx="2">
+            <a:schemeClr val="dk1">
+              <a:shade val="50000"/>
+            </a:schemeClr>
+          </a:lnRef>
+          <a:fillRef idx="1">
+            <a:schemeClr val="dk1"/>
+          </a:fillRef>
+          <a:effectRef idx="0">
+            <a:schemeClr val="dk1"/>
+          </a:effectRef>
+          <a:fontRef idx="minor">
+            <a:schemeClr val="lt1"/>
+          </a:fontRef>
+        </p:style>
+        <p:txBody>
+          <a:bodyPr rtlCol="0" anchor="ctr"/>
+          <a:lstStyle/>
+          <a:p>
+            <a:pPr algn="ctr"/>
+            <a:endParaRPr lang="en-US"/>
+          </a:p>
+        </p:txBody>
+      </p:sp>
+      <p:sp>
+        <p:nvSpPr>
+          <p:cNvPr id="11" name="Cross 10">
+            <a:extLst>
+              <a:ext uri="{FF2B5EF4-FFF2-40B4-BE49-F238E27FC236}">
+                <a16:creationId xmlns:a16="http://schemas.microsoft.com/office/drawing/2014/main" id="{C601D8D4-7484-5B4C-9367-314B7815F03E}"/>
+              </a:ext>
+            </a:extLst>
+          </p:cNvPr>
+          <p:cNvSpPr/>
+          <p:nvPr/>
+        </p:nvSpPr>
+        <p:spPr>
+          <a:xfrm rot="18900000">
+            <a:off x="1944669" y="3354453"/>
+            <a:ext cx="605642" cy="605642"/>
+          </a:xfrm>
+          <a:prstGeom prst="plus">
+            <a:avLst>
+              <a:gd name="adj" fmla="val 38726"/>
+            </a:avLst>
+          </a:prstGeom>
+        </p:spPr>
+        <p:style>
+          <a:lnRef idx="2">
+            <a:schemeClr val="dk1">
+              <a:shade val="50000"/>
+            </a:schemeClr>
+          </a:lnRef>
+          <a:fillRef idx="1">
+            <a:schemeClr val="dk1"/>
+          </a:fillRef>
+          <a:effectRef idx="0">
+            <a:schemeClr val="dk1"/>
+          </a:effectRef>
+          <a:fontRef idx="minor">
+            <a:schemeClr val="lt1"/>
+          </a:fontRef>
+        </p:style>
+        <p:txBody>
+          <a:bodyPr rtlCol="0" anchor="ctr"/>
+          <a:lstStyle/>
+          <a:p>
+            <a:pPr algn="ctr"/>
+            <a:endParaRPr lang="en-US" dirty="0"/>
+          </a:p>
+        </p:txBody>
+      </p:sp>
+      <p:grpSp>
+        <p:nvGrpSpPr>
+          <p:cNvPr id="4" name="Group 3">
+            <a:extLst>
+              <a:ext uri="{FF2B5EF4-FFF2-40B4-BE49-F238E27FC236}">
+                <a16:creationId xmlns:a16="http://schemas.microsoft.com/office/drawing/2014/main" id="{8364E065-47C3-CB4A-981B-5CC209EEFCF5}"/>
+              </a:ext>
+            </a:extLst>
+          </p:cNvPr>
+          <p:cNvGrpSpPr/>
+          <p:nvPr/>
+        </p:nvGrpSpPr>
+        <p:grpSpPr>
+          <a:xfrm>
+            <a:off x="1982629" y="2169548"/>
+            <a:ext cx="529722" cy="430481"/>
+            <a:chOff x="5243286" y="1690688"/>
+            <a:chExt cx="529722" cy="430481"/>
+          </a:xfrm>
+        </p:grpSpPr>
+        <p:sp>
+          <p:nvSpPr>
+            <p:cNvPr id="12" name="Oval 11" descr="d">
+              <a:extLst>
+                <a:ext uri="{FF2B5EF4-FFF2-40B4-BE49-F238E27FC236}">
+                  <a16:creationId xmlns:a16="http://schemas.microsoft.com/office/drawing/2014/main" id="{528F2A42-8729-BD48-9AE4-ACCF071BE932}"/>
+                </a:ext>
+              </a:extLst>
+            </p:cNvPr>
+            <p:cNvSpPr/>
+            <p:nvPr/>
+          </p:nvSpPr>
+          <p:spPr>
+            <a:xfrm>
+              <a:off x="5243286" y="1690688"/>
+              <a:ext cx="461818" cy="430481"/>
+            </a:xfrm>
+            <a:prstGeom prst="ellipse">
+              <a:avLst/>
+            </a:prstGeom>
+            <a:solidFill>
+              <a:schemeClr val="dk1">
+                <a:alpha val="47000"/>
+              </a:schemeClr>
+            </a:solidFill>
+          </p:spPr>
+          <p:style>
+            <a:lnRef idx="2">
+              <a:schemeClr val="dk1">
+                <a:shade val="50000"/>
+              </a:schemeClr>
+            </a:lnRef>
+            <a:fillRef idx="1">
+              <a:schemeClr val="dk1"/>
+            </a:fillRef>
+            <a:effectRef idx="0">
+              <a:schemeClr val="dk1"/>
+            </a:effectRef>
+            <a:fontRef idx="minor">
+              <a:schemeClr val="lt1"/>
+            </a:fontRef>
+          </p:style>
+          <p:txBody>
+            <a:bodyPr rtlCol="0" anchor="ctr"/>
+            <a:lstStyle/>
+            <a:p>
+              <a:pPr algn="ctr"/>
+              <a:endParaRPr lang="en-US" dirty="0"/>
+            </a:p>
+          </p:txBody>
+        </p:sp>
+        <p:sp>
+          <p:nvSpPr>
+            <p:cNvPr id="3" name="TextBox 2">
+              <a:extLst>
+                <a:ext uri="{FF2B5EF4-FFF2-40B4-BE49-F238E27FC236}">
+                  <a16:creationId xmlns:a16="http://schemas.microsoft.com/office/drawing/2014/main" id="{855C8384-8E83-824F-A696-510B786A76F6}"/>
+                </a:ext>
+              </a:extLst>
+            </p:cNvPr>
+            <p:cNvSpPr txBox="1"/>
+            <p:nvPr/>
+          </p:nvSpPr>
+          <p:spPr>
+            <a:xfrm>
+              <a:off x="5311190" y="1717107"/>
+              <a:ext cx="461818" cy="369332"/>
+            </a:xfrm>
+            <a:prstGeom prst="rect">
+              <a:avLst/>
+            </a:prstGeom>
+            <a:noFill/>
+          </p:spPr>
+          <p:txBody>
+            <a:bodyPr wrap="square" rtlCol="0">
+              <a:spAutoFit/>
+            </a:bodyPr>
+            <a:lstStyle/>
+            <a:p>
+              <a:r>
+                <a:rPr lang="en-US" dirty="0">
+                  <a:solidFill>
+                    <a:schemeClr val="bg1"/>
+                  </a:solidFill>
+                </a:rPr>
+                <a:t>1</a:t>
+              </a:r>
+            </a:p>
+          </p:txBody>
+        </p:sp>
+      </p:grpSp>
+      <p:grpSp>
+        <p:nvGrpSpPr>
+          <p:cNvPr id="13" name="Group 12">
+            <a:extLst>
+              <a:ext uri="{FF2B5EF4-FFF2-40B4-BE49-F238E27FC236}">
+                <a16:creationId xmlns:a16="http://schemas.microsoft.com/office/drawing/2014/main" id="{CB462F52-24CE-1242-B2A8-20EDD980918C}"/>
+              </a:ext>
+            </a:extLst>
+          </p:cNvPr>
+          <p:cNvGrpSpPr/>
+          <p:nvPr/>
+        </p:nvGrpSpPr>
+        <p:grpSpPr>
+          <a:xfrm>
+            <a:off x="2727509" y="2169548"/>
+            <a:ext cx="529722" cy="430481"/>
+            <a:chOff x="5243286" y="1690688"/>
+            <a:chExt cx="529722" cy="430481"/>
+          </a:xfrm>
+        </p:grpSpPr>
+        <p:sp>
+          <p:nvSpPr>
+            <p:cNvPr id="14" name="Oval 13" descr="d">
+              <a:extLst>
+                <a:ext uri="{FF2B5EF4-FFF2-40B4-BE49-F238E27FC236}">
+                  <a16:creationId xmlns:a16="http://schemas.microsoft.com/office/drawing/2014/main" id="{4F11F881-82AD-414B-B96A-4175AD97A213}"/>
+                </a:ext>
+              </a:extLst>
+            </p:cNvPr>
+            <p:cNvSpPr/>
+            <p:nvPr/>
+          </p:nvSpPr>
+          <p:spPr>
+            <a:xfrm>
+              <a:off x="5243286" y="1690688"/>
+              <a:ext cx="461818" cy="430481"/>
+            </a:xfrm>
+            <a:prstGeom prst="ellipse">
+              <a:avLst/>
+            </a:prstGeom>
+            <a:solidFill>
+              <a:schemeClr val="dk1">
+                <a:alpha val="47000"/>
+              </a:schemeClr>
+            </a:solidFill>
+          </p:spPr>
+          <p:style>
+            <a:lnRef idx="2">
+              <a:schemeClr val="dk1">
+                <a:shade val="50000"/>
+              </a:schemeClr>
+            </a:lnRef>
+            <a:fillRef idx="1">
+              <a:schemeClr val="dk1"/>
+            </a:fillRef>
+            <a:effectRef idx="0">
+              <a:schemeClr val="dk1"/>
+            </a:effectRef>
+            <a:fontRef idx="minor">
+              <a:schemeClr val="lt1"/>
+            </a:fontRef>
+          </p:style>
+          <p:txBody>
+            <a:bodyPr rtlCol="0" anchor="ctr"/>
+            <a:lstStyle/>
+            <a:p>
+              <a:pPr algn="ctr"/>
+              <a:endParaRPr lang="en-US" dirty="0"/>
+            </a:p>
+          </p:txBody>
+        </p:sp>
+        <p:sp>
+          <p:nvSpPr>
+            <p:cNvPr id="15" name="TextBox 14">
+              <a:extLst>
+                <a:ext uri="{FF2B5EF4-FFF2-40B4-BE49-F238E27FC236}">
+                  <a16:creationId xmlns:a16="http://schemas.microsoft.com/office/drawing/2014/main" id="{142E69AF-79EF-6041-8133-9429754E307A}"/>
+                </a:ext>
+              </a:extLst>
+            </p:cNvPr>
+            <p:cNvSpPr txBox="1"/>
+            <p:nvPr/>
+          </p:nvSpPr>
+          <p:spPr>
+            <a:xfrm>
+              <a:off x="5311190" y="1717107"/>
+              <a:ext cx="461818" cy="369332"/>
+            </a:xfrm>
+            <a:prstGeom prst="rect">
+              <a:avLst/>
+            </a:prstGeom>
+            <a:noFill/>
+          </p:spPr>
+          <p:txBody>
+            <a:bodyPr wrap="square" rtlCol="0">
+              <a:spAutoFit/>
+            </a:bodyPr>
+            <a:lstStyle/>
+            <a:p>
+              <a:r>
+                <a:rPr lang="en-US" dirty="0">
+                  <a:solidFill>
+                    <a:schemeClr val="bg1"/>
+                  </a:solidFill>
+                </a:rPr>
+                <a:t>2</a:t>
+              </a:r>
+            </a:p>
+          </p:txBody>
+        </p:sp>
+      </p:grpSp>
+      <p:grpSp>
+        <p:nvGrpSpPr>
+          <p:cNvPr id="16" name="Group 15">
+            <a:extLst>
+              <a:ext uri="{FF2B5EF4-FFF2-40B4-BE49-F238E27FC236}">
+                <a16:creationId xmlns:a16="http://schemas.microsoft.com/office/drawing/2014/main" id="{8364E065-47C3-CB4A-981B-5CC209EEFCF5}"/>
+              </a:ext>
+            </a:extLst>
+          </p:cNvPr>
+          <p:cNvGrpSpPr/>
+          <p:nvPr/>
+        </p:nvGrpSpPr>
+        <p:grpSpPr>
+          <a:xfrm>
+            <a:off x="3454576" y="2169548"/>
+            <a:ext cx="529722" cy="430481"/>
+            <a:chOff x="5243286" y="1690688"/>
+            <a:chExt cx="529722" cy="430481"/>
+          </a:xfrm>
+        </p:grpSpPr>
+        <p:sp>
+          <p:nvSpPr>
+            <p:cNvPr id="17" name="Oval 16" descr="d">
+              <a:extLst>
+                <a:ext uri="{FF2B5EF4-FFF2-40B4-BE49-F238E27FC236}">
+                  <a16:creationId xmlns:a16="http://schemas.microsoft.com/office/drawing/2014/main" id="{528F2A42-8729-BD48-9AE4-ACCF071BE932}"/>
+                </a:ext>
+              </a:extLst>
+            </p:cNvPr>
+            <p:cNvSpPr/>
+            <p:nvPr/>
+          </p:nvSpPr>
+          <p:spPr>
+            <a:xfrm>
+              <a:off x="5243286" y="1690688"/>
+              <a:ext cx="461818" cy="430481"/>
+            </a:xfrm>
+            <a:prstGeom prst="ellipse">
+              <a:avLst/>
+            </a:prstGeom>
+            <a:solidFill>
+              <a:schemeClr val="dk1">
+                <a:alpha val="47000"/>
+              </a:schemeClr>
+            </a:solidFill>
+          </p:spPr>
+          <p:style>
+            <a:lnRef idx="2">
+              <a:schemeClr val="dk1">
+                <a:shade val="50000"/>
+              </a:schemeClr>
+            </a:lnRef>
+            <a:fillRef idx="1">
+              <a:schemeClr val="dk1"/>
+            </a:fillRef>
+            <a:effectRef idx="0">
+              <a:schemeClr val="dk1"/>
+            </a:effectRef>
+            <a:fontRef idx="minor">
+              <a:schemeClr val="lt1"/>
+            </a:fontRef>
+          </p:style>
+          <p:txBody>
+            <a:bodyPr rtlCol="0" anchor="ctr"/>
+            <a:lstStyle>
+              <a:defPPr>
+                <a:defRPr lang="en-US"/>
+              </a:defPPr>
+              <a:lvl1pPr marL="0" algn="l" defTabSz="914400" rtl="0" eaLnBrk="1" latinLnBrk="0" hangingPunct="1">
+                <a:defRPr sz="1800" kern="1200">
+                  <a:solidFill>
+                    <a:schemeClr val="lt1"/>
+                  </a:solidFill>
+                  <a:latin typeface="+mn-lt"/>
+                  <a:ea typeface="+mn-ea"/>
+                  <a:cs typeface="+mn-cs"/>
+                </a:defRPr>
+              </a:lvl1pPr>
+              <a:lvl2pPr marL="457200" algn="l" defTabSz="914400" rtl="0" eaLnBrk="1" latinLnBrk="0" hangingPunct="1">
+                <a:defRPr sz="1800" kern="1200">
+                  <a:solidFill>
+                    <a:schemeClr val="lt1"/>
+                  </a:solidFill>
+                  <a:latin typeface="+mn-lt"/>
+                  <a:ea typeface="+mn-ea"/>
+                  <a:cs typeface="+mn-cs"/>
+                </a:defRPr>
+              </a:lvl2pPr>
+              <a:lvl3pPr marL="914400" algn="l" defTabSz="914400" rtl="0" eaLnBrk="1" latinLnBrk="0" hangingPunct="1">
+                <a:defRPr sz="1800" kern="1200">
+                  <a:solidFill>
+                    <a:schemeClr val="lt1"/>
+                  </a:solidFill>
+                  <a:latin typeface="+mn-lt"/>
+                  <a:ea typeface="+mn-ea"/>
+                  <a:cs typeface="+mn-cs"/>
+                </a:defRPr>
+              </a:lvl3pPr>
+              <a:lvl4pPr marL="1371600" algn="l" defTabSz="914400" rtl="0" eaLnBrk="1" latinLnBrk="0" hangingPunct="1">
+                <a:defRPr sz="1800" kern="1200">
+                  <a:solidFill>
+                    <a:schemeClr val="lt1"/>
+                  </a:solidFill>
+                  <a:latin typeface="+mn-lt"/>
+                  <a:ea typeface="+mn-ea"/>
+                  <a:cs typeface="+mn-cs"/>
+                </a:defRPr>
+              </a:lvl4pPr>
+              <a:lvl5pPr marL="1828800" algn="l" defTabSz="914400" rtl="0" eaLnBrk="1" latinLnBrk="0" hangingPunct="1">
+                <a:defRPr sz="1800" kern="1200">
+                  <a:solidFill>
+                    <a:schemeClr val="lt1"/>
+                  </a:solidFill>
+                  <a:latin typeface="+mn-lt"/>
+                  <a:ea typeface="+mn-ea"/>
+                  <a:cs typeface="+mn-cs"/>
+                </a:defRPr>
+              </a:lvl5pPr>
+              <a:lvl6pPr marL="2286000" algn="l" defTabSz="914400" rtl="0" eaLnBrk="1" latinLnBrk="0" hangingPunct="1">
+                <a:defRPr sz="1800" kern="1200">
+                  <a:solidFill>
+                    <a:schemeClr val="lt1"/>
+                  </a:solidFill>
+                  <a:latin typeface="+mn-lt"/>
+                  <a:ea typeface="+mn-ea"/>
+                  <a:cs typeface="+mn-cs"/>
+                </a:defRPr>
+              </a:lvl6pPr>
+              <a:lvl7pPr marL="2743200" algn="l" defTabSz="914400" rtl="0" eaLnBrk="1" latinLnBrk="0" hangingPunct="1">
+                <a:defRPr sz="1800" kern="1200">
+                  <a:solidFill>
+                    <a:schemeClr val="lt1"/>
+                  </a:solidFill>
+                  <a:latin typeface="+mn-lt"/>
+                  <a:ea typeface="+mn-ea"/>
+                  <a:cs typeface="+mn-cs"/>
+                </a:defRPr>
+              </a:lvl7pPr>
+              <a:lvl8pPr marL="3200400" algn="l" defTabSz="914400" rtl="0" eaLnBrk="1" latinLnBrk="0" hangingPunct="1">
+                <a:defRPr sz="1800" kern="1200">
+                  <a:solidFill>
+                    <a:schemeClr val="lt1"/>
+                  </a:solidFill>
+                  <a:latin typeface="+mn-lt"/>
+                  <a:ea typeface="+mn-ea"/>
+                  <a:cs typeface="+mn-cs"/>
+                </a:defRPr>
+              </a:lvl8pPr>
+              <a:lvl9pPr marL="3657600" algn="l" defTabSz="914400" rtl="0" eaLnBrk="1" latinLnBrk="0" hangingPunct="1">
+                <a:defRPr sz="1800" kern="1200">
+                  <a:solidFill>
+                    <a:schemeClr val="lt1"/>
+                  </a:solidFill>
+                  <a:latin typeface="+mn-lt"/>
+                  <a:ea typeface="+mn-ea"/>
+                  <a:cs typeface="+mn-cs"/>
+                </a:defRPr>
+              </a:lvl9pPr>
+            </a:lstStyle>
+            <a:p>
+              <a:pPr algn="ctr"/>
+              <a:endParaRPr lang="en-US" dirty="0"/>
+            </a:p>
+          </p:txBody>
+        </p:sp>
+        <p:sp>
+          <p:nvSpPr>
+            <p:cNvPr id="18" name="TextBox 2">
+              <a:extLst>
+                <a:ext uri="{FF2B5EF4-FFF2-40B4-BE49-F238E27FC236}">
+                  <a16:creationId xmlns:a16="http://schemas.microsoft.com/office/drawing/2014/main" id="{855C8384-8E83-824F-A696-510B786A76F6}"/>
+                </a:ext>
+              </a:extLst>
+            </p:cNvPr>
+            <p:cNvSpPr txBox="1"/>
+            <p:nvPr/>
+          </p:nvSpPr>
+          <p:spPr>
+            <a:xfrm>
+              <a:off x="5311190" y="1717107"/>
+              <a:ext cx="461818" cy="369332"/>
+            </a:xfrm>
+            <a:prstGeom prst="rect">
+              <a:avLst/>
+            </a:prstGeom>
+            <a:noFill/>
+          </p:spPr>
+          <p:txBody>
+            <a:bodyPr wrap="square" rtlCol="0">
+              <a:spAutoFit/>
+            </a:bodyPr>
+            <a:lstStyle>
+              <a:defPPr>
+                <a:defRPr lang="en-US"/>
+              </a:defPPr>
+              <a:lvl1pPr marL="0" algn="l" defTabSz="914400" rtl="0" eaLnBrk="1" latinLnBrk="0" hangingPunct="1">
+                <a:defRPr sz="1800" kern="1200">
+                  <a:solidFill>
+                    <a:schemeClr val="tx1"/>
+                  </a:solidFill>
+                  <a:latin typeface="+mn-lt"/>
+                  <a:ea typeface="+mn-ea"/>
+                  <a:cs typeface="+mn-cs"/>
+                </a:defRPr>
+              </a:lvl1pPr>
+              <a:lvl2pPr marL="457200" algn="l" defTabSz="914400" rtl="0" eaLnBrk="1" latinLnBrk="0" hangingPunct="1">
+                <a:defRPr sz="1800" kern="1200">
+                  <a:solidFill>
+                    <a:schemeClr val="tx1"/>
+                  </a:solidFill>
+                  <a:latin typeface="+mn-lt"/>
+                  <a:ea typeface="+mn-ea"/>
+                  <a:cs typeface="+mn-cs"/>
+                </a:defRPr>
+              </a:lvl2pPr>
+              <a:lvl3pPr marL="914400" algn="l" defTabSz="914400" rtl="0" eaLnBrk="1" latinLnBrk="0" hangingPunct="1">
+                <a:defRPr sz="1800" kern="1200">
+                  <a:solidFill>
+                    <a:schemeClr val="tx1"/>
+                  </a:solidFill>
+                  <a:latin typeface="+mn-lt"/>
+                  <a:ea typeface="+mn-ea"/>
+                  <a:cs typeface="+mn-cs"/>
+                </a:defRPr>
+              </a:lvl3pPr>
+              <a:lvl4pPr marL="1371600" algn="l" defTabSz="914400" rtl="0" eaLnBrk="1" latinLnBrk="0" hangingPunct="1">
+                <a:defRPr sz="1800" kern="1200">
+                  <a:solidFill>
+                    <a:schemeClr val="tx1"/>
+                  </a:solidFill>
+                  <a:latin typeface="+mn-lt"/>
+                  <a:ea typeface="+mn-ea"/>
+                  <a:cs typeface="+mn-cs"/>
+                </a:defRPr>
+              </a:lvl4pPr>
+              <a:lvl5pPr marL="1828800" algn="l" defTabSz="914400" rtl="0" eaLnBrk="1" latinLnBrk="0" hangingPunct="1">
+                <a:defRPr sz="1800" kern="1200">
+                  <a:solidFill>
+                    <a:schemeClr val="tx1"/>
+                  </a:solidFill>
+                  <a:latin typeface="+mn-lt"/>
+                  <a:ea typeface="+mn-ea"/>
+                  <a:cs typeface="+mn-cs"/>
+                </a:defRPr>
+              </a:lvl5pPr>
+              <a:lvl6pPr marL="2286000" algn="l" defTabSz="914400" rtl="0" eaLnBrk="1" latinLnBrk="0" hangingPunct="1">
+                <a:defRPr sz="1800" kern="1200">
+                  <a:solidFill>
+                    <a:schemeClr val="tx1"/>
+                  </a:solidFill>
+                  <a:latin typeface="+mn-lt"/>
+                  <a:ea typeface="+mn-ea"/>
+                  <a:cs typeface="+mn-cs"/>
+                </a:defRPr>
+              </a:lvl6pPr>
+              <a:lvl7pPr marL="2743200" algn="l" defTabSz="914400" rtl="0" eaLnBrk="1" latinLnBrk="0" hangingPunct="1">
+                <a:defRPr sz="1800" kern="1200">
+                  <a:solidFill>
+                    <a:schemeClr val="tx1"/>
+                  </a:solidFill>
+                  <a:latin typeface="+mn-lt"/>
+                  <a:ea typeface="+mn-ea"/>
+                  <a:cs typeface="+mn-cs"/>
+                </a:defRPr>
+              </a:lvl7pPr>
+              <a:lvl8pPr marL="3200400" algn="l" defTabSz="914400" rtl="0" eaLnBrk="1" latinLnBrk="0" hangingPunct="1">
+                <a:defRPr sz="1800" kern="1200">
+                  <a:solidFill>
+                    <a:schemeClr val="tx1"/>
+                  </a:solidFill>
+                  <a:latin typeface="+mn-lt"/>
+                  <a:ea typeface="+mn-ea"/>
+                  <a:cs typeface="+mn-cs"/>
+                </a:defRPr>
+              </a:lvl8pPr>
+              <a:lvl9pPr marL="3657600" algn="l" defTabSz="914400" rtl="0" eaLnBrk="1" latinLnBrk="0" hangingPunct="1">
+                <a:defRPr sz="1800" kern="1200">
+                  <a:solidFill>
+                    <a:schemeClr val="tx1"/>
+                  </a:solidFill>
+                  <a:latin typeface="+mn-lt"/>
+                  <a:ea typeface="+mn-ea"/>
+                  <a:cs typeface="+mn-cs"/>
+                </a:defRPr>
+              </a:lvl9pPr>
+            </a:lstStyle>
+            <a:p>
+              <a:r>
+                <a:rPr lang="en-US" dirty="0">
+                  <a:solidFill>
+                    <a:schemeClr val="bg1"/>
+                  </a:solidFill>
+                </a:rPr>
+                <a:t>3</a:t>
+              </a:r>
+            </a:p>
+          </p:txBody>
+        </p:sp>
+      </p:grpSp>
+      <p:grpSp>
+        <p:nvGrpSpPr>
+          <p:cNvPr id="19" name="Group 18">
+            <a:extLst>
+              <a:ext uri="{FF2B5EF4-FFF2-40B4-BE49-F238E27FC236}">
+                <a16:creationId xmlns:a16="http://schemas.microsoft.com/office/drawing/2014/main" id="{FEF1D5F8-F451-6340-ADF0-EE4CB1AFB09F}"/>
+              </a:ext>
+            </a:extLst>
+          </p:cNvPr>
+          <p:cNvGrpSpPr/>
+          <p:nvPr/>
+        </p:nvGrpSpPr>
+        <p:grpSpPr>
+          <a:xfrm>
+            <a:off x="1982629" y="2790228"/>
+            <a:ext cx="529722" cy="430481"/>
+            <a:chOff x="5243286" y="1690688"/>
+            <a:chExt cx="529722" cy="430481"/>
+          </a:xfrm>
+        </p:grpSpPr>
+        <p:sp>
+          <p:nvSpPr>
+            <p:cNvPr id="20" name="Oval 19" descr="d">
+              <a:extLst>
+                <a:ext uri="{FF2B5EF4-FFF2-40B4-BE49-F238E27FC236}">
+                  <a16:creationId xmlns:a16="http://schemas.microsoft.com/office/drawing/2014/main" id="{7ADF0892-40A8-1146-A5F4-BCB3814555DA}"/>
+                </a:ext>
+              </a:extLst>
+            </p:cNvPr>
+            <p:cNvSpPr/>
+            <p:nvPr/>
+          </p:nvSpPr>
+          <p:spPr>
+            <a:xfrm>
+              <a:off x="5243286" y="1690688"/>
+              <a:ext cx="461818" cy="430481"/>
+            </a:xfrm>
+            <a:prstGeom prst="ellipse">
+              <a:avLst/>
+            </a:prstGeom>
+            <a:solidFill>
+              <a:schemeClr val="dk1">
+                <a:alpha val="47000"/>
+              </a:schemeClr>
+            </a:solidFill>
+          </p:spPr>
+          <p:style>
+            <a:lnRef idx="2">
+              <a:schemeClr val="dk1">
+                <a:shade val="50000"/>
+              </a:schemeClr>
+            </a:lnRef>
+            <a:fillRef idx="1">
+              <a:schemeClr val="dk1"/>
+            </a:fillRef>
+            <a:effectRef idx="0">
+              <a:schemeClr val="dk1"/>
+            </a:effectRef>
+            <a:fontRef idx="minor">
+              <a:schemeClr val="lt1"/>
+            </a:fontRef>
+          </p:style>
+          <p:txBody>
+            <a:bodyPr rtlCol="0" anchor="ctr"/>
+            <a:lstStyle>
+              <a:defPPr>
+                <a:defRPr lang="en-US"/>
+              </a:defPPr>
+              <a:lvl1pPr marL="0" algn="l" defTabSz="914400" rtl="0" eaLnBrk="1" latinLnBrk="0" hangingPunct="1">
+                <a:defRPr sz="1800" kern="1200">
+                  <a:solidFill>
+                    <a:schemeClr val="lt1"/>
+                  </a:solidFill>
+                  <a:latin typeface="+mn-lt"/>
+                  <a:ea typeface="+mn-ea"/>
+                  <a:cs typeface="+mn-cs"/>
+                </a:defRPr>
+              </a:lvl1pPr>
+              <a:lvl2pPr marL="457200" algn="l" defTabSz="914400" rtl="0" eaLnBrk="1" latinLnBrk="0" hangingPunct="1">
+                <a:defRPr sz="1800" kern="1200">
+                  <a:solidFill>
+                    <a:schemeClr val="lt1"/>
+                  </a:solidFill>
+                  <a:latin typeface="+mn-lt"/>
+                  <a:ea typeface="+mn-ea"/>
+                  <a:cs typeface="+mn-cs"/>
+                </a:defRPr>
+              </a:lvl2pPr>
+              <a:lvl3pPr marL="914400" algn="l" defTabSz="914400" rtl="0" eaLnBrk="1" latinLnBrk="0" hangingPunct="1">
+                <a:defRPr sz="1800" kern="1200">
+                  <a:solidFill>
+                    <a:schemeClr val="lt1"/>
+                  </a:solidFill>
+                  <a:latin typeface="+mn-lt"/>
+                  <a:ea typeface="+mn-ea"/>
+                  <a:cs typeface="+mn-cs"/>
+                </a:defRPr>
+              </a:lvl3pPr>
+              <a:lvl4pPr marL="1371600" algn="l" defTabSz="914400" rtl="0" eaLnBrk="1" latinLnBrk="0" hangingPunct="1">
+                <a:defRPr sz="1800" kern="1200">
+                  <a:solidFill>
+                    <a:schemeClr val="lt1"/>
+                  </a:solidFill>
+                  <a:latin typeface="+mn-lt"/>
+                  <a:ea typeface="+mn-ea"/>
+                  <a:cs typeface="+mn-cs"/>
+                </a:defRPr>
+              </a:lvl4pPr>
+              <a:lvl5pPr marL="1828800" algn="l" defTabSz="914400" rtl="0" eaLnBrk="1" latinLnBrk="0" hangingPunct="1">
+                <a:defRPr sz="1800" kern="1200">
+                  <a:solidFill>
+                    <a:schemeClr val="lt1"/>
+                  </a:solidFill>
+                  <a:latin typeface="+mn-lt"/>
+                  <a:ea typeface="+mn-ea"/>
+                  <a:cs typeface="+mn-cs"/>
+                </a:defRPr>
+              </a:lvl5pPr>
+              <a:lvl6pPr marL="2286000" algn="l" defTabSz="914400" rtl="0" eaLnBrk="1" latinLnBrk="0" hangingPunct="1">
+                <a:defRPr sz="1800" kern="1200">
+                  <a:solidFill>
+                    <a:schemeClr val="lt1"/>
+                  </a:solidFill>
+                  <a:latin typeface="+mn-lt"/>
+                  <a:ea typeface="+mn-ea"/>
+                  <a:cs typeface="+mn-cs"/>
+                </a:defRPr>
+              </a:lvl6pPr>
+              <a:lvl7pPr marL="2743200" algn="l" defTabSz="914400" rtl="0" eaLnBrk="1" latinLnBrk="0" hangingPunct="1">
+                <a:defRPr sz="1800" kern="1200">
+                  <a:solidFill>
+                    <a:schemeClr val="lt1"/>
+                  </a:solidFill>
+                  <a:latin typeface="+mn-lt"/>
+                  <a:ea typeface="+mn-ea"/>
+                  <a:cs typeface="+mn-cs"/>
+                </a:defRPr>
+              </a:lvl7pPr>
+              <a:lvl8pPr marL="3200400" algn="l" defTabSz="914400" rtl="0" eaLnBrk="1" latinLnBrk="0" hangingPunct="1">
+                <a:defRPr sz="1800" kern="1200">
+                  <a:solidFill>
+                    <a:schemeClr val="lt1"/>
+                  </a:solidFill>
+                  <a:latin typeface="+mn-lt"/>
+                  <a:ea typeface="+mn-ea"/>
+                  <a:cs typeface="+mn-cs"/>
+                </a:defRPr>
+              </a:lvl8pPr>
+              <a:lvl9pPr marL="3657600" algn="l" defTabSz="914400" rtl="0" eaLnBrk="1" latinLnBrk="0" hangingPunct="1">
+                <a:defRPr sz="1800" kern="1200">
+                  <a:solidFill>
+                    <a:schemeClr val="lt1"/>
+                  </a:solidFill>
+                  <a:latin typeface="+mn-lt"/>
+                  <a:ea typeface="+mn-ea"/>
+                  <a:cs typeface="+mn-cs"/>
+                </a:defRPr>
+              </a:lvl9pPr>
+            </a:lstStyle>
+            <a:p>
+              <a:pPr algn="ctr"/>
+              <a:endParaRPr lang="en-US" dirty="0"/>
+            </a:p>
+          </p:txBody>
+        </p:sp>
+        <p:sp>
+          <p:nvSpPr>
+            <p:cNvPr id="21" name="TextBox 2">
+              <a:extLst>
+                <a:ext uri="{FF2B5EF4-FFF2-40B4-BE49-F238E27FC236}">
+                  <a16:creationId xmlns:a16="http://schemas.microsoft.com/office/drawing/2014/main" id="{7EF4B7D2-B92D-1A43-8E11-9821D199BA24}"/>
+                </a:ext>
+              </a:extLst>
+            </p:cNvPr>
+            <p:cNvSpPr txBox="1"/>
+            <p:nvPr/>
+          </p:nvSpPr>
+          <p:spPr>
+            <a:xfrm>
+              <a:off x="5311190" y="1717107"/>
+              <a:ext cx="461818" cy="369332"/>
+            </a:xfrm>
+            <a:prstGeom prst="rect">
+              <a:avLst/>
+            </a:prstGeom>
+            <a:noFill/>
+          </p:spPr>
+          <p:txBody>
+            <a:bodyPr wrap="square" rtlCol="0">
+              <a:spAutoFit/>
+            </a:bodyPr>
+            <a:lstStyle>
+              <a:defPPr>
+                <a:defRPr lang="en-US"/>
+              </a:defPPr>
+              <a:lvl1pPr marL="0" algn="l" defTabSz="914400" rtl="0" eaLnBrk="1" latinLnBrk="0" hangingPunct="1">
+                <a:defRPr sz="1800" kern="1200">
+                  <a:solidFill>
+                    <a:schemeClr val="tx1"/>
+                  </a:solidFill>
+                  <a:latin typeface="+mn-lt"/>
+                  <a:ea typeface="+mn-ea"/>
+                  <a:cs typeface="+mn-cs"/>
+                </a:defRPr>
+              </a:lvl1pPr>
+              <a:lvl2pPr marL="457200" algn="l" defTabSz="914400" rtl="0" eaLnBrk="1" latinLnBrk="0" hangingPunct="1">
+                <a:defRPr sz="1800" kern="1200">
+                  <a:solidFill>
+                    <a:schemeClr val="tx1"/>
+                  </a:solidFill>
+                  <a:latin typeface="+mn-lt"/>
+                  <a:ea typeface="+mn-ea"/>
+                  <a:cs typeface="+mn-cs"/>
+                </a:defRPr>
+              </a:lvl2pPr>
+              <a:lvl3pPr marL="914400" algn="l" defTabSz="914400" rtl="0" eaLnBrk="1" latinLnBrk="0" hangingPunct="1">
+                <a:defRPr sz="1800" kern="1200">
+                  <a:solidFill>
+                    <a:schemeClr val="tx1"/>
+                  </a:solidFill>
+                  <a:latin typeface="+mn-lt"/>
+                  <a:ea typeface="+mn-ea"/>
+                  <a:cs typeface="+mn-cs"/>
+                </a:defRPr>
+              </a:lvl3pPr>
+              <a:lvl4pPr marL="1371600" algn="l" defTabSz="914400" rtl="0" eaLnBrk="1" latinLnBrk="0" hangingPunct="1">
+                <a:defRPr sz="1800" kern="1200">
+                  <a:solidFill>
+                    <a:schemeClr val="tx1"/>
+                  </a:solidFill>
+                  <a:latin typeface="+mn-lt"/>
+                  <a:ea typeface="+mn-ea"/>
+                  <a:cs typeface="+mn-cs"/>
+                </a:defRPr>
+              </a:lvl4pPr>
+              <a:lvl5pPr marL="1828800" algn="l" defTabSz="914400" rtl="0" eaLnBrk="1" latinLnBrk="0" hangingPunct="1">
+                <a:defRPr sz="1800" kern="1200">
+                  <a:solidFill>
+                    <a:schemeClr val="tx1"/>
+                  </a:solidFill>
+                  <a:latin typeface="+mn-lt"/>
+                  <a:ea typeface="+mn-ea"/>
+                  <a:cs typeface="+mn-cs"/>
+                </a:defRPr>
+              </a:lvl5pPr>
+              <a:lvl6pPr marL="2286000" algn="l" defTabSz="914400" rtl="0" eaLnBrk="1" latinLnBrk="0" hangingPunct="1">
+                <a:defRPr sz="1800" kern="1200">
+                  <a:solidFill>
+                    <a:schemeClr val="tx1"/>
+                  </a:solidFill>
+                  <a:latin typeface="+mn-lt"/>
+                  <a:ea typeface="+mn-ea"/>
+                  <a:cs typeface="+mn-cs"/>
+                </a:defRPr>
+              </a:lvl6pPr>
+              <a:lvl7pPr marL="2743200" algn="l" defTabSz="914400" rtl="0" eaLnBrk="1" latinLnBrk="0" hangingPunct="1">
+                <a:defRPr sz="1800" kern="1200">
+                  <a:solidFill>
+                    <a:schemeClr val="tx1"/>
+                  </a:solidFill>
+                  <a:latin typeface="+mn-lt"/>
+                  <a:ea typeface="+mn-ea"/>
+                  <a:cs typeface="+mn-cs"/>
+                </a:defRPr>
+              </a:lvl7pPr>
+              <a:lvl8pPr marL="3200400" algn="l" defTabSz="914400" rtl="0" eaLnBrk="1" latinLnBrk="0" hangingPunct="1">
+                <a:defRPr sz="1800" kern="1200">
+                  <a:solidFill>
+                    <a:schemeClr val="tx1"/>
+                  </a:solidFill>
+                  <a:latin typeface="+mn-lt"/>
+                  <a:ea typeface="+mn-ea"/>
+                  <a:cs typeface="+mn-cs"/>
+                </a:defRPr>
+              </a:lvl8pPr>
+              <a:lvl9pPr marL="3657600" algn="l" defTabSz="914400" rtl="0" eaLnBrk="1" latinLnBrk="0" hangingPunct="1">
+                <a:defRPr sz="1800" kern="1200">
+                  <a:solidFill>
+                    <a:schemeClr val="tx1"/>
+                  </a:solidFill>
+                  <a:latin typeface="+mn-lt"/>
+                  <a:ea typeface="+mn-ea"/>
+                  <a:cs typeface="+mn-cs"/>
+                </a:defRPr>
+              </a:lvl9pPr>
+            </a:lstStyle>
+            <a:p>
+              <a:r>
+                <a:rPr lang="en-US" dirty="0">
+                  <a:solidFill>
+                    <a:schemeClr val="bg1"/>
+                  </a:solidFill>
+                </a:rPr>
+                <a:t>4</a:t>
+              </a:r>
+            </a:p>
+          </p:txBody>
+        </p:sp>
+      </p:grpSp>
+      <p:grpSp>
+        <p:nvGrpSpPr>
+          <p:cNvPr id="22" name="Group 21">
+            <a:extLst>
+              <a:ext uri="{FF2B5EF4-FFF2-40B4-BE49-F238E27FC236}">
+                <a16:creationId xmlns:a16="http://schemas.microsoft.com/office/drawing/2014/main" id="{1100A498-C59A-FD4E-8879-D7E408D5A1B0}"/>
+              </a:ext>
+            </a:extLst>
+          </p:cNvPr>
+          <p:cNvGrpSpPr/>
+          <p:nvPr/>
+        </p:nvGrpSpPr>
+        <p:grpSpPr>
+          <a:xfrm>
+            <a:off x="2727509" y="2790228"/>
+            <a:ext cx="529722" cy="430481"/>
+            <a:chOff x="5243286" y="1690688"/>
+            <a:chExt cx="529722" cy="430481"/>
+          </a:xfrm>
+        </p:grpSpPr>
+        <p:sp>
+          <p:nvSpPr>
+            <p:cNvPr id="23" name="Oval 22" descr="d">
+              <a:extLst>
+                <a:ext uri="{FF2B5EF4-FFF2-40B4-BE49-F238E27FC236}">
+                  <a16:creationId xmlns:a16="http://schemas.microsoft.com/office/drawing/2014/main" id="{A1AC3695-495C-8D47-8390-765C7E3835B3}"/>
+                </a:ext>
+              </a:extLst>
+            </p:cNvPr>
+            <p:cNvSpPr/>
+            <p:nvPr/>
+          </p:nvSpPr>
+          <p:spPr>
+            <a:xfrm>
+              <a:off x="5243286" y="1690688"/>
+              <a:ext cx="461818" cy="430481"/>
+            </a:xfrm>
+            <a:prstGeom prst="ellipse">
+              <a:avLst/>
+            </a:prstGeom>
+            <a:solidFill>
+              <a:schemeClr val="dk1">
+                <a:alpha val="47000"/>
+              </a:schemeClr>
+            </a:solidFill>
+          </p:spPr>
+          <p:style>
+            <a:lnRef idx="2">
+              <a:schemeClr val="dk1">
+                <a:shade val="50000"/>
+              </a:schemeClr>
+            </a:lnRef>
+            <a:fillRef idx="1">
+              <a:schemeClr val="dk1"/>
+            </a:fillRef>
+            <a:effectRef idx="0">
+              <a:schemeClr val="dk1"/>
+            </a:effectRef>
+            <a:fontRef idx="minor">
+              <a:schemeClr val="lt1"/>
+            </a:fontRef>
+          </p:style>
+          <p:txBody>
+            <a:bodyPr rtlCol="0" anchor="ctr"/>
+            <a:lstStyle>
+              <a:defPPr>
+                <a:defRPr lang="en-US"/>
+              </a:defPPr>
+              <a:lvl1pPr marL="0" algn="l" defTabSz="914400" rtl="0" eaLnBrk="1" latinLnBrk="0" hangingPunct="1">
+                <a:defRPr sz="1800" kern="1200">
+                  <a:solidFill>
+                    <a:schemeClr val="lt1"/>
+                  </a:solidFill>
+                  <a:latin typeface="+mn-lt"/>
+                  <a:ea typeface="+mn-ea"/>
+                  <a:cs typeface="+mn-cs"/>
+                </a:defRPr>
+              </a:lvl1pPr>
+              <a:lvl2pPr marL="457200" algn="l" defTabSz="914400" rtl="0" eaLnBrk="1" latinLnBrk="0" hangingPunct="1">
+                <a:defRPr sz="1800" kern="1200">
+                  <a:solidFill>
+                    <a:schemeClr val="lt1"/>
+                  </a:solidFill>
+                  <a:latin typeface="+mn-lt"/>
+                  <a:ea typeface="+mn-ea"/>
+                  <a:cs typeface="+mn-cs"/>
+                </a:defRPr>
+              </a:lvl2pPr>
+              <a:lvl3pPr marL="914400" algn="l" defTabSz="914400" rtl="0" eaLnBrk="1" latinLnBrk="0" hangingPunct="1">
+                <a:defRPr sz="1800" kern="1200">
+                  <a:solidFill>
+                    <a:schemeClr val="lt1"/>
+                  </a:solidFill>
+                  <a:latin typeface="+mn-lt"/>
+                  <a:ea typeface="+mn-ea"/>
+                  <a:cs typeface="+mn-cs"/>
+                </a:defRPr>
+              </a:lvl3pPr>
+              <a:lvl4pPr marL="1371600" algn="l" defTabSz="914400" rtl="0" eaLnBrk="1" latinLnBrk="0" hangingPunct="1">
+                <a:defRPr sz="1800" kern="1200">
+                  <a:solidFill>
+                    <a:schemeClr val="lt1"/>
+                  </a:solidFill>
+                  <a:latin typeface="+mn-lt"/>
+                  <a:ea typeface="+mn-ea"/>
+                  <a:cs typeface="+mn-cs"/>
+                </a:defRPr>
+              </a:lvl4pPr>
+              <a:lvl5pPr marL="1828800" algn="l" defTabSz="914400" rtl="0" eaLnBrk="1" latinLnBrk="0" hangingPunct="1">
+                <a:defRPr sz="1800" kern="1200">
+                  <a:solidFill>
+                    <a:schemeClr val="lt1"/>
+                  </a:solidFill>
+                  <a:latin typeface="+mn-lt"/>
+                  <a:ea typeface="+mn-ea"/>
+                  <a:cs typeface="+mn-cs"/>
+                </a:defRPr>
+              </a:lvl5pPr>
+              <a:lvl6pPr marL="2286000" algn="l" defTabSz="914400" rtl="0" eaLnBrk="1" latinLnBrk="0" hangingPunct="1">
+                <a:defRPr sz="1800" kern="1200">
+                  <a:solidFill>
+                    <a:schemeClr val="lt1"/>
+                  </a:solidFill>
+                  <a:latin typeface="+mn-lt"/>
+                  <a:ea typeface="+mn-ea"/>
+                  <a:cs typeface="+mn-cs"/>
+                </a:defRPr>
+              </a:lvl6pPr>
+              <a:lvl7pPr marL="2743200" algn="l" defTabSz="914400" rtl="0" eaLnBrk="1" latinLnBrk="0" hangingPunct="1">
+                <a:defRPr sz="1800" kern="1200">
+                  <a:solidFill>
+                    <a:schemeClr val="lt1"/>
+                  </a:solidFill>
+                  <a:latin typeface="+mn-lt"/>
+                  <a:ea typeface="+mn-ea"/>
+                  <a:cs typeface="+mn-cs"/>
+                </a:defRPr>
+              </a:lvl7pPr>
+              <a:lvl8pPr marL="3200400" algn="l" defTabSz="914400" rtl="0" eaLnBrk="1" latinLnBrk="0" hangingPunct="1">
+                <a:defRPr sz="1800" kern="1200">
+                  <a:solidFill>
+                    <a:schemeClr val="lt1"/>
+                  </a:solidFill>
+                  <a:latin typeface="+mn-lt"/>
+                  <a:ea typeface="+mn-ea"/>
+                  <a:cs typeface="+mn-cs"/>
+                </a:defRPr>
+              </a:lvl8pPr>
+              <a:lvl9pPr marL="3657600" algn="l" defTabSz="914400" rtl="0" eaLnBrk="1" latinLnBrk="0" hangingPunct="1">
+                <a:defRPr sz="1800" kern="1200">
+                  <a:solidFill>
+                    <a:schemeClr val="lt1"/>
+                  </a:solidFill>
+                  <a:latin typeface="+mn-lt"/>
+                  <a:ea typeface="+mn-ea"/>
+                  <a:cs typeface="+mn-cs"/>
+                </a:defRPr>
+              </a:lvl9pPr>
+            </a:lstStyle>
+            <a:p>
+              <a:pPr algn="ctr"/>
+              <a:endParaRPr lang="en-US" dirty="0"/>
+            </a:p>
+          </p:txBody>
+        </p:sp>
+        <p:sp>
+          <p:nvSpPr>
+            <p:cNvPr id="24" name="TextBox 2">
+              <a:extLst>
+                <a:ext uri="{FF2B5EF4-FFF2-40B4-BE49-F238E27FC236}">
+                  <a16:creationId xmlns:a16="http://schemas.microsoft.com/office/drawing/2014/main" id="{31FBFFEE-7D63-2D4E-9FBB-7BE3161C0B5A}"/>
+                </a:ext>
+              </a:extLst>
+            </p:cNvPr>
+            <p:cNvSpPr txBox="1"/>
+            <p:nvPr/>
+          </p:nvSpPr>
+          <p:spPr>
+            <a:xfrm>
+              <a:off x="5311190" y="1717107"/>
+              <a:ext cx="461818" cy="369332"/>
+            </a:xfrm>
+            <a:prstGeom prst="rect">
+              <a:avLst/>
+            </a:prstGeom>
+            <a:noFill/>
+          </p:spPr>
+          <p:txBody>
+            <a:bodyPr wrap="square" rtlCol="0">
+              <a:spAutoFit/>
+            </a:bodyPr>
+            <a:lstStyle>
+              <a:defPPr>
+                <a:defRPr lang="en-US"/>
+              </a:defPPr>
+              <a:lvl1pPr marL="0" algn="l" defTabSz="914400" rtl="0" eaLnBrk="1" latinLnBrk="0" hangingPunct="1">
+                <a:defRPr sz="1800" kern="1200">
+                  <a:solidFill>
+                    <a:schemeClr val="tx1"/>
+                  </a:solidFill>
+                  <a:latin typeface="+mn-lt"/>
+                  <a:ea typeface="+mn-ea"/>
+                  <a:cs typeface="+mn-cs"/>
+                </a:defRPr>
+              </a:lvl1pPr>
+              <a:lvl2pPr marL="457200" algn="l" defTabSz="914400" rtl="0" eaLnBrk="1" latinLnBrk="0" hangingPunct="1">
+                <a:defRPr sz="1800" kern="1200">
+                  <a:solidFill>
+                    <a:schemeClr val="tx1"/>
+                  </a:solidFill>
+                  <a:latin typeface="+mn-lt"/>
+                  <a:ea typeface="+mn-ea"/>
+                  <a:cs typeface="+mn-cs"/>
+                </a:defRPr>
+              </a:lvl2pPr>
+              <a:lvl3pPr marL="914400" algn="l" defTabSz="914400" rtl="0" eaLnBrk="1" latinLnBrk="0" hangingPunct="1">
+                <a:defRPr sz="1800" kern="1200">
+                  <a:solidFill>
+                    <a:schemeClr val="tx1"/>
+                  </a:solidFill>
+                  <a:latin typeface="+mn-lt"/>
+                  <a:ea typeface="+mn-ea"/>
+                  <a:cs typeface="+mn-cs"/>
+                </a:defRPr>
+              </a:lvl3pPr>
+              <a:lvl4pPr marL="1371600" algn="l" defTabSz="914400" rtl="0" eaLnBrk="1" latinLnBrk="0" hangingPunct="1">
+                <a:defRPr sz="1800" kern="1200">
+                  <a:solidFill>
+                    <a:schemeClr val="tx1"/>
+                  </a:solidFill>
+                  <a:latin typeface="+mn-lt"/>
+                  <a:ea typeface="+mn-ea"/>
+                  <a:cs typeface="+mn-cs"/>
+                </a:defRPr>
+              </a:lvl4pPr>
+              <a:lvl5pPr marL="1828800" algn="l" defTabSz="914400" rtl="0" eaLnBrk="1" latinLnBrk="0" hangingPunct="1">
+                <a:defRPr sz="1800" kern="1200">
+                  <a:solidFill>
+                    <a:schemeClr val="tx1"/>
+                  </a:solidFill>
+                  <a:latin typeface="+mn-lt"/>
+                  <a:ea typeface="+mn-ea"/>
+                  <a:cs typeface="+mn-cs"/>
+                </a:defRPr>
+              </a:lvl5pPr>
+              <a:lvl6pPr marL="2286000" algn="l" defTabSz="914400" rtl="0" eaLnBrk="1" latinLnBrk="0" hangingPunct="1">
+                <a:defRPr sz="1800" kern="1200">
+                  <a:solidFill>
+                    <a:schemeClr val="tx1"/>
+                  </a:solidFill>
+                  <a:latin typeface="+mn-lt"/>
+                  <a:ea typeface="+mn-ea"/>
+                  <a:cs typeface="+mn-cs"/>
+                </a:defRPr>
+              </a:lvl6pPr>
+              <a:lvl7pPr marL="2743200" algn="l" defTabSz="914400" rtl="0" eaLnBrk="1" latinLnBrk="0" hangingPunct="1">
+                <a:defRPr sz="1800" kern="1200">
+                  <a:solidFill>
+                    <a:schemeClr val="tx1"/>
+                  </a:solidFill>
+                  <a:latin typeface="+mn-lt"/>
+                  <a:ea typeface="+mn-ea"/>
+                  <a:cs typeface="+mn-cs"/>
+                </a:defRPr>
+              </a:lvl7pPr>
+              <a:lvl8pPr marL="3200400" algn="l" defTabSz="914400" rtl="0" eaLnBrk="1" latinLnBrk="0" hangingPunct="1">
+                <a:defRPr sz="1800" kern="1200">
+                  <a:solidFill>
+                    <a:schemeClr val="tx1"/>
+                  </a:solidFill>
+                  <a:latin typeface="+mn-lt"/>
+                  <a:ea typeface="+mn-ea"/>
+                  <a:cs typeface="+mn-cs"/>
+                </a:defRPr>
+              </a:lvl8pPr>
+              <a:lvl9pPr marL="3657600" algn="l" defTabSz="914400" rtl="0" eaLnBrk="1" latinLnBrk="0" hangingPunct="1">
+                <a:defRPr sz="1800" kern="1200">
+                  <a:solidFill>
+                    <a:schemeClr val="tx1"/>
+                  </a:solidFill>
+                  <a:latin typeface="+mn-lt"/>
+                  <a:ea typeface="+mn-ea"/>
+                  <a:cs typeface="+mn-cs"/>
+                </a:defRPr>
+              </a:lvl9pPr>
+            </a:lstStyle>
+            <a:p>
+              <a:r>
+                <a:rPr lang="en-US" dirty="0">
+                  <a:solidFill>
+                    <a:schemeClr val="bg1"/>
+                  </a:solidFill>
+                </a:rPr>
+                <a:t>5</a:t>
+              </a:r>
+            </a:p>
+          </p:txBody>
+        </p:sp>
+      </p:grpSp>
+      <p:grpSp>
+        <p:nvGrpSpPr>
+          <p:cNvPr id="25" name="Group 24">
+            <a:extLst>
+              <a:ext uri="{FF2B5EF4-FFF2-40B4-BE49-F238E27FC236}">
+                <a16:creationId xmlns:a16="http://schemas.microsoft.com/office/drawing/2014/main" id="{FEF1D5F8-F451-6340-ADF0-EE4CB1AFB09F}"/>
+              </a:ext>
+            </a:extLst>
+          </p:cNvPr>
+          <p:cNvGrpSpPr/>
+          <p:nvPr/>
+        </p:nvGrpSpPr>
+        <p:grpSpPr>
+          <a:xfrm>
+            <a:off x="3454576" y="2790228"/>
+            <a:ext cx="529722" cy="430481"/>
+            <a:chOff x="5243286" y="1690688"/>
+            <a:chExt cx="529722" cy="430481"/>
+          </a:xfrm>
+        </p:grpSpPr>
+        <p:sp>
+          <p:nvSpPr>
+            <p:cNvPr id="26" name="Oval 25" descr="d">
+              <a:extLst>
+                <a:ext uri="{FF2B5EF4-FFF2-40B4-BE49-F238E27FC236}">
+                  <a16:creationId xmlns:a16="http://schemas.microsoft.com/office/drawing/2014/main" id="{7ADF0892-40A8-1146-A5F4-BCB3814555DA}"/>
+                </a:ext>
+              </a:extLst>
+            </p:cNvPr>
+            <p:cNvSpPr/>
+            <p:nvPr/>
+          </p:nvSpPr>
+          <p:spPr>
+            <a:xfrm>
+              <a:off x="5243286" y="1690688"/>
+              <a:ext cx="461818" cy="430481"/>
+            </a:xfrm>
+            <a:prstGeom prst="ellipse">
+              <a:avLst/>
+            </a:prstGeom>
+            <a:solidFill>
+              <a:schemeClr val="dk1">
+                <a:alpha val="47000"/>
+              </a:schemeClr>
+            </a:solidFill>
+          </p:spPr>
+          <p:style>
+            <a:lnRef idx="2">
+              <a:schemeClr val="dk1">
+                <a:shade val="50000"/>
+              </a:schemeClr>
+            </a:lnRef>
+            <a:fillRef idx="1">
+              <a:schemeClr val="dk1"/>
+            </a:fillRef>
+            <a:effectRef idx="0">
+              <a:schemeClr val="dk1"/>
+            </a:effectRef>
+            <a:fontRef idx="minor">
+              <a:schemeClr val="lt1"/>
+            </a:fontRef>
+          </p:style>
+          <p:txBody>
+            <a:bodyPr rtlCol="0" anchor="ctr"/>
+            <a:lstStyle>
+              <a:defPPr>
+                <a:defRPr lang="en-US"/>
+              </a:defPPr>
+              <a:lvl1pPr marL="0" algn="l" defTabSz="914400" rtl="0" eaLnBrk="1" latinLnBrk="0" hangingPunct="1">
+                <a:defRPr sz="1800" kern="1200">
+                  <a:solidFill>
+                    <a:schemeClr val="lt1"/>
+                  </a:solidFill>
+                  <a:latin typeface="+mn-lt"/>
+                  <a:ea typeface="+mn-ea"/>
+                  <a:cs typeface="+mn-cs"/>
+                </a:defRPr>
+              </a:lvl1pPr>
+              <a:lvl2pPr marL="457200" algn="l" defTabSz="914400" rtl="0" eaLnBrk="1" latinLnBrk="0" hangingPunct="1">
+                <a:defRPr sz="1800" kern="1200">
+                  <a:solidFill>
+                    <a:schemeClr val="lt1"/>
+                  </a:solidFill>
+                  <a:latin typeface="+mn-lt"/>
+                  <a:ea typeface="+mn-ea"/>
+                  <a:cs typeface="+mn-cs"/>
+                </a:defRPr>
+              </a:lvl2pPr>
+              <a:lvl3pPr marL="914400" algn="l" defTabSz="914400" rtl="0" eaLnBrk="1" latinLnBrk="0" hangingPunct="1">
+                <a:defRPr sz="1800" kern="1200">
+                  <a:solidFill>
+                    <a:schemeClr val="lt1"/>
+                  </a:solidFill>
+                  <a:latin typeface="+mn-lt"/>
+                  <a:ea typeface="+mn-ea"/>
+                  <a:cs typeface="+mn-cs"/>
+                </a:defRPr>
+              </a:lvl3pPr>
+              <a:lvl4pPr marL="1371600" algn="l" defTabSz="914400" rtl="0" eaLnBrk="1" latinLnBrk="0" hangingPunct="1">
+                <a:defRPr sz="1800" kern="1200">
+                  <a:solidFill>
+                    <a:schemeClr val="lt1"/>
+                  </a:solidFill>
+                  <a:latin typeface="+mn-lt"/>
+                  <a:ea typeface="+mn-ea"/>
+                  <a:cs typeface="+mn-cs"/>
+                </a:defRPr>
+              </a:lvl4pPr>
+              <a:lvl5pPr marL="1828800" algn="l" defTabSz="914400" rtl="0" eaLnBrk="1" latinLnBrk="0" hangingPunct="1">
+                <a:defRPr sz="1800" kern="1200">
+                  <a:solidFill>
+                    <a:schemeClr val="lt1"/>
+                  </a:solidFill>
+                  <a:latin typeface="+mn-lt"/>
+                  <a:ea typeface="+mn-ea"/>
+                  <a:cs typeface="+mn-cs"/>
+                </a:defRPr>
+              </a:lvl5pPr>
+              <a:lvl6pPr marL="2286000" algn="l" defTabSz="914400" rtl="0" eaLnBrk="1" latinLnBrk="0" hangingPunct="1">
+                <a:defRPr sz="1800" kern="1200">
+                  <a:solidFill>
+                    <a:schemeClr val="lt1"/>
+                  </a:solidFill>
+                  <a:latin typeface="+mn-lt"/>
+                  <a:ea typeface="+mn-ea"/>
+                  <a:cs typeface="+mn-cs"/>
+                </a:defRPr>
+              </a:lvl6pPr>
+              <a:lvl7pPr marL="2743200" algn="l" defTabSz="914400" rtl="0" eaLnBrk="1" latinLnBrk="0" hangingPunct="1">
+                <a:defRPr sz="1800" kern="1200">
+                  <a:solidFill>
+                    <a:schemeClr val="lt1"/>
+                  </a:solidFill>
+                  <a:latin typeface="+mn-lt"/>
+                  <a:ea typeface="+mn-ea"/>
+                  <a:cs typeface="+mn-cs"/>
+                </a:defRPr>
+              </a:lvl7pPr>
+              <a:lvl8pPr marL="3200400" algn="l" defTabSz="914400" rtl="0" eaLnBrk="1" latinLnBrk="0" hangingPunct="1">
+                <a:defRPr sz="1800" kern="1200">
+                  <a:solidFill>
+                    <a:schemeClr val="lt1"/>
+                  </a:solidFill>
+                  <a:latin typeface="+mn-lt"/>
+                  <a:ea typeface="+mn-ea"/>
+                  <a:cs typeface="+mn-cs"/>
+                </a:defRPr>
+              </a:lvl8pPr>
+              <a:lvl9pPr marL="3657600" algn="l" defTabSz="914400" rtl="0" eaLnBrk="1" latinLnBrk="0" hangingPunct="1">
+                <a:defRPr sz="1800" kern="1200">
+                  <a:solidFill>
+                    <a:schemeClr val="lt1"/>
+                  </a:solidFill>
+                  <a:latin typeface="+mn-lt"/>
+                  <a:ea typeface="+mn-ea"/>
+                  <a:cs typeface="+mn-cs"/>
+                </a:defRPr>
+              </a:lvl9pPr>
+            </a:lstStyle>
+            <a:p>
+              <a:pPr algn="ctr"/>
+              <a:endParaRPr lang="en-US" dirty="0"/>
+            </a:p>
+          </p:txBody>
+        </p:sp>
+        <p:sp>
+          <p:nvSpPr>
+            <p:cNvPr id="27" name="TextBox 2">
+              <a:extLst>
+                <a:ext uri="{FF2B5EF4-FFF2-40B4-BE49-F238E27FC236}">
+                  <a16:creationId xmlns:a16="http://schemas.microsoft.com/office/drawing/2014/main" id="{7EF4B7D2-B92D-1A43-8E11-9821D199BA24}"/>
+                </a:ext>
+              </a:extLst>
+            </p:cNvPr>
+            <p:cNvSpPr txBox="1"/>
+            <p:nvPr/>
+          </p:nvSpPr>
+          <p:spPr>
+            <a:xfrm>
+              <a:off x="5311190" y="1717107"/>
+              <a:ext cx="461818" cy="369332"/>
+            </a:xfrm>
+            <a:prstGeom prst="rect">
+              <a:avLst/>
+            </a:prstGeom>
+            <a:noFill/>
+          </p:spPr>
+          <p:txBody>
+            <a:bodyPr wrap="square" rtlCol="0">
+              <a:spAutoFit/>
+            </a:bodyPr>
+            <a:lstStyle>
+              <a:defPPr>
+                <a:defRPr lang="en-US"/>
+              </a:defPPr>
+              <a:lvl1pPr marL="0" algn="l" defTabSz="914400" rtl="0" eaLnBrk="1" latinLnBrk="0" hangingPunct="1">
+                <a:defRPr sz="1800" kern="1200">
+                  <a:solidFill>
+                    <a:schemeClr val="tx1"/>
+                  </a:solidFill>
+                  <a:latin typeface="+mn-lt"/>
+                  <a:ea typeface="+mn-ea"/>
+                  <a:cs typeface="+mn-cs"/>
+                </a:defRPr>
+              </a:lvl1pPr>
+              <a:lvl2pPr marL="457200" algn="l" defTabSz="914400" rtl="0" eaLnBrk="1" latinLnBrk="0" hangingPunct="1">
+                <a:defRPr sz="1800" kern="1200">
+                  <a:solidFill>
+                    <a:schemeClr val="tx1"/>
+                  </a:solidFill>
+                  <a:latin typeface="+mn-lt"/>
+                  <a:ea typeface="+mn-ea"/>
+                  <a:cs typeface="+mn-cs"/>
+                </a:defRPr>
+              </a:lvl2pPr>
+              <a:lvl3pPr marL="914400" algn="l" defTabSz="914400" rtl="0" eaLnBrk="1" latinLnBrk="0" hangingPunct="1">
+                <a:defRPr sz="1800" kern="1200">
+                  <a:solidFill>
+                    <a:schemeClr val="tx1"/>
+                  </a:solidFill>
+                  <a:latin typeface="+mn-lt"/>
+                  <a:ea typeface="+mn-ea"/>
+                  <a:cs typeface="+mn-cs"/>
+                </a:defRPr>
+              </a:lvl3pPr>
+              <a:lvl4pPr marL="1371600" algn="l" defTabSz="914400" rtl="0" eaLnBrk="1" latinLnBrk="0" hangingPunct="1">
+                <a:defRPr sz="1800" kern="1200">
+                  <a:solidFill>
+                    <a:schemeClr val="tx1"/>
+                  </a:solidFill>
+                  <a:latin typeface="+mn-lt"/>
+                  <a:ea typeface="+mn-ea"/>
+                  <a:cs typeface="+mn-cs"/>
+                </a:defRPr>
+              </a:lvl4pPr>
+              <a:lvl5pPr marL="1828800" algn="l" defTabSz="914400" rtl="0" eaLnBrk="1" latinLnBrk="0" hangingPunct="1">
+                <a:defRPr sz="1800" kern="1200">
+                  <a:solidFill>
+                    <a:schemeClr val="tx1"/>
+                  </a:solidFill>
+                  <a:latin typeface="+mn-lt"/>
+                  <a:ea typeface="+mn-ea"/>
+                  <a:cs typeface="+mn-cs"/>
+                </a:defRPr>
+              </a:lvl5pPr>
+              <a:lvl6pPr marL="2286000" algn="l" defTabSz="914400" rtl="0" eaLnBrk="1" latinLnBrk="0" hangingPunct="1">
+                <a:defRPr sz="1800" kern="1200">
+                  <a:solidFill>
+                    <a:schemeClr val="tx1"/>
+                  </a:solidFill>
+                  <a:latin typeface="+mn-lt"/>
+                  <a:ea typeface="+mn-ea"/>
+                  <a:cs typeface="+mn-cs"/>
+                </a:defRPr>
+              </a:lvl6pPr>
+              <a:lvl7pPr marL="2743200" algn="l" defTabSz="914400" rtl="0" eaLnBrk="1" latinLnBrk="0" hangingPunct="1">
+                <a:defRPr sz="1800" kern="1200">
+                  <a:solidFill>
+                    <a:schemeClr val="tx1"/>
+                  </a:solidFill>
+                  <a:latin typeface="+mn-lt"/>
+                  <a:ea typeface="+mn-ea"/>
+                  <a:cs typeface="+mn-cs"/>
+                </a:defRPr>
+              </a:lvl7pPr>
+              <a:lvl8pPr marL="3200400" algn="l" defTabSz="914400" rtl="0" eaLnBrk="1" latinLnBrk="0" hangingPunct="1">
+                <a:defRPr sz="1800" kern="1200">
+                  <a:solidFill>
+                    <a:schemeClr val="tx1"/>
+                  </a:solidFill>
+                  <a:latin typeface="+mn-lt"/>
+                  <a:ea typeface="+mn-ea"/>
+                  <a:cs typeface="+mn-cs"/>
+                </a:defRPr>
+              </a:lvl8pPr>
+              <a:lvl9pPr marL="3657600" algn="l" defTabSz="914400" rtl="0" eaLnBrk="1" latinLnBrk="0" hangingPunct="1">
+                <a:defRPr sz="1800" kern="1200">
+                  <a:solidFill>
+                    <a:schemeClr val="tx1"/>
+                  </a:solidFill>
+                  <a:latin typeface="+mn-lt"/>
+                  <a:ea typeface="+mn-ea"/>
+                  <a:cs typeface="+mn-cs"/>
+                </a:defRPr>
+              </a:lvl9pPr>
+            </a:lstStyle>
+            <a:p>
+              <a:r>
+                <a:rPr lang="en-US" dirty="0">
+                  <a:solidFill>
+                    <a:schemeClr val="bg1"/>
+                  </a:solidFill>
+                </a:rPr>
+                <a:t>6</a:t>
+              </a:r>
+            </a:p>
+          </p:txBody>
+        </p:sp>
+      </p:grpSp>
+      <p:grpSp>
+        <p:nvGrpSpPr>
+          <p:cNvPr id="28" name="Group 27">
+            <a:extLst>
+              <a:ext uri="{FF2B5EF4-FFF2-40B4-BE49-F238E27FC236}">
+                <a16:creationId xmlns:a16="http://schemas.microsoft.com/office/drawing/2014/main" id="{FEF1D5F8-F451-6340-ADF0-EE4CB1AFB09F}"/>
+              </a:ext>
+            </a:extLst>
+          </p:cNvPr>
+          <p:cNvGrpSpPr/>
+          <p:nvPr/>
+        </p:nvGrpSpPr>
+        <p:grpSpPr>
+          <a:xfrm>
+            <a:off x="2727509" y="3407303"/>
+            <a:ext cx="529722" cy="430481"/>
+            <a:chOff x="5243286" y="1690688"/>
+            <a:chExt cx="529722" cy="430481"/>
+          </a:xfrm>
+        </p:grpSpPr>
+        <p:sp>
+          <p:nvSpPr>
+            <p:cNvPr id="29" name="Oval 28" descr="d">
+              <a:extLst>
+                <a:ext uri="{FF2B5EF4-FFF2-40B4-BE49-F238E27FC236}">
+                  <a16:creationId xmlns:a16="http://schemas.microsoft.com/office/drawing/2014/main" id="{7ADF0892-40A8-1146-A5F4-BCB3814555DA}"/>
+                </a:ext>
+              </a:extLst>
+            </p:cNvPr>
+            <p:cNvSpPr/>
+            <p:nvPr/>
+          </p:nvSpPr>
+          <p:spPr>
+            <a:xfrm>
+              <a:off x="5243286" y="1690688"/>
+              <a:ext cx="461818" cy="430481"/>
+            </a:xfrm>
+            <a:prstGeom prst="ellipse">
+              <a:avLst/>
+            </a:prstGeom>
+            <a:solidFill>
+              <a:schemeClr val="dk1">
+                <a:alpha val="47000"/>
+              </a:schemeClr>
+            </a:solidFill>
+          </p:spPr>
+          <p:style>
+            <a:lnRef idx="2">
+              <a:schemeClr val="dk1">
+                <a:shade val="50000"/>
+              </a:schemeClr>
+            </a:lnRef>
+            <a:fillRef idx="1">
+              <a:schemeClr val="dk1"/>
+            </a:fillRef>
+            <a:effectRef idx="0">
+              <a:schemeClr val="dk1"/>
+            </a:effectRef>
+            <a:fontRef idx="minor">
+              <a:schemeClr val="lt1"/>
+            </a:fontRef>
+          </p:style>
+          <p:txBody>
+            <a:bodyPr rtlCol="0" anchor="ctr"/>
+            <a:lstStyle>
+              <a:defPPr>
+                <a:defRPr lang="en-US"/>
+              </a:defPPr>
+              <a:lvl1pPr marL="0" algn="l" defTabSz="914400" rtl="0" eaLnBrk="1" latinLnBrk="0" hangingPunct="1">
+                <a:defRPr sz="1800" kern="1200">
+                  <a:solidFill>
+                    <a:schemeClr val="lt1"/>
+                  </a:solidFill>
+                  <a:latin typeface="+mn-lt"/>
+                  <a:ea typeface="+mn-ea"/>
+                  <a:cs typeface="+mn-cs"/>
+                </a:defRPr>
+              </a:lvl1pPr>
+              <a:lvl2pPr marL="457200" algn="l" defTabSz="914400" rtl="0" eaLnBrk="1" latinLnBrk="0" hangingPunct="1">
+                <a:defRPr sz="1800" kern="1200">
+                  <a:solidFill>
+                    <a:schemeClr val="lt1"/>
+                  </a:solidFill>
+                  <a:latin typeface="+mn-lt"/>
+                  <a:ea typeface="+mn-ea"/>
+                  <a:cs typeface="+mn-cs"/>
+                </a:defRPr>
+              </a:lvl2pPr>
+              <a:lvl3pPr marL="914400" algn="l" defTabSz="914400" rtl="0" eaLnBrk="1" latinLnBrk="0" hangingPunct="1">
+                <a:defRPr sz="1800" kern="1200">
+                  <a:solidFill>
+                    <a:schemeClr val="lt1"/>
+                  </a:solidFill>
+                  <a:latin typeface="+mn-lt"/>
+                  <a:ea typeface="+mn-ea"/>
+                  <a:cs typeface="+mn-cs"/>
+                </a:defRPr>
+              </a:lvl3pPr>
+              <a:lvl4pPr marL="1371600" algn="l" defTabSz="914400" rtl="0" eaLnBrk="1" latinLnBrk="0" hangingPunct="1">
+                <a:defRPr sz="1800" kern="1200">
+                  <a:solidFill>
+                    <a:schemeClr val="lt1"/>
+                  </a:solidFill>
+                  <a:latin typeface="+mn-lt"/>
+                  <a:ea typeface="+mn-ea"/>
+                  <a:cs typeface="+mn-cs"/>
+                </a:defRPr>
+              </a:lvl4pPr>
+              <a:lvl5pPr marL="1828800" algn="l" defTabSz="914400" rtl="0" eaLnBrk="1" latinLnBrk="0" hangingPunct="1">
+                <a:defRPr sz="1800" kern="1200">
+                  <a:solidFill>
+                    <a:schemeClr val="lt1"/>
+                  </a:solidFill>
+                  <a:latin typeface="+mn-lt"/>
+                  <a:ea typeface="+mn-ea"/>
+                  <a:cs typeface="+mn-cs"/>
+                </a:defRPr>
+              </a:lvl5pPr>
+              <a:lvl6pPr marL="2286000" algn="l" defTabSz="914400" rtl="0" eaLnBrk="1" latinLnBrk="0" hangingPunct="1">
+                <a:defRPr sz="1800" kern="1200">
+                  <a:solidFill>
+                    <a:schemeClr val="lt1"/>
+                  </a:solidFill>
+                  <a:latin typeface="+mn-lt"/>
+                  <a:ea typeface="+mn-ea"/>
+                  <a:cs typeface="+mn-cs"/>
+                </a:defRPr>
+              </a:lvl6pPr>
+              <a:lvl7pPr marL="2743200" algn="l" defTabSz="914400" rtl="0" eaLnBrk="1" latinLnBrk="0" hangingPunct="1">
+                <a:defRPr sz="1800" kern="1200">
+                  <a:solidFill>
+                    <a:schemeClr val="lt1"/>
+                  </a:solidFill>
+                  <a:latin typeface="+mn-lt"/>
+                  <a:ea typeface="+mn-ea"/>
+                  <a:cs typeface="+mn-cs"/>
+                </a:defRPr>
+              </a:lvl7pPr>
+              <a:lvl8pPr marL="3200400" algn="l" defTabSz="914400" rtl="0" eaLnBrk="1" latinLnBrk="0" hangingPunct="1">
+                <a:defRPr sz="1800" kern="1200">
+                  <a:solidFill>
+                    <a:schemeClr val="lt1"/>
+                  </a:solidFill>
+                  <a:latin typeface="+mn-lt"/>
+                  <a:ea typeface="+mn-ea"/>
+                  <a:cs typeface="+mn-cs"/>
+                </a:defRPr>
+              </a:lvl8pPr>
+              <a:lvl9pPr marL="3657600" algn="l" defTabSz="914400" rtl="0" eaLnBrk="1" latinLnBrk="0" hangingPunct="1">
+                <a:defRPr sz="1800" kern="1200">
+                  <a:solidFill>
+                    <a:schemeClr val="lt1"/>
+                  </a:solidFill>
+                  <a:latin typeface="+mn-lt"/>
+                  <a:ea typeface="+mn-ea"/>
+                  <a:cs typeface="+mn-cs"/>
+                </a:defRPr>
+              </a:lvl9pPr>
+            </a:lstStyle>
+            <a:p>
+              <a:pPr algn="ctr"/>
+              <a:endParaRPr lang="en-US" dirty="0"/>
+            </a:p>
+          </p:txBody>
+        </p:sp>
+        <p:sp>
+          <p:nvSpPr>
+            <p:cNvPr id="30" name="TextBox 2">
+              <a:extLst>
+                <a:ext uri="{FF2B5EF4-FFF2-40B4-BE49-F238E27FC236}">
+                  <a16:creationId xmlns:a16="http://schemas.microsoft.com/office/drawing/2014/main" id="{7EF4B7D2-B92D-1A43-8E11-9821D199BA24}"/>
+                </a:ext>
+              </a:extLst>
+            </p:cNvPr>
+            <p:cNvSpPr txBox="1"/>
+            <p:nvPr/>
+          </p:nvSpPr>
+          <p:spPr>
+            <a:xfrm>
+              <a:off x="5311190" y="1717107"/>
+              <a:ext cx="461818" cy="369332"/>
+            </a:xfrm>
+            <a:prstGeom prst="rect">
+              <a:avLst/>
+            </a:prstGeom>
+            <a:noFill/>
+          </p:spPr>
+          <p:txBody>
+            <a:bodyPr wrap="square" rtlCol="0">
+              <a:spAutoFit/>
+            </a:bodyPr>
+            <a:lstStyle>
+              <a:defPPr>
+                <a:defRPr lang="en-US"/>
+              </a:defPPr>
+              <a:lvl1pPr marL="0" algn="l" defTabSz="914400" rtl="0" eaLnBrk="1" latinLnBrk="0" hangingPunct="1">
+                <a:defRPr sz="1800" kern="1200">
+                  <a:solidFill>
+                    <a:schemeClr val="tx1"/>
+                  </a:solidFill>
+                  <a:latin typeface="+mn-lt"/>
+                  <a:ea typeface="+mn-ea"/>
+                  <a:cs typeface="+mn-cs"/>
+                </a:defRPr>
+              </a:lvl1pPr>
+              <a:lvl2pPr marL="457200" algn="l" defTabSz="914400" rtl="0" eaLnBrk="1" latinLnBrk="0" hangingPunct="1">
+                <a:defRPr sz="1800" kern="1200">
+                  <a:solidFill>
+                    <a:schemeClr val="tx1"/>
+                  </a:solidFill>
+                  <a:latin typeface="+mn-lt"/>
+                  <a:ea typeface="+mn-ea"/>
+                  <a:cs typeface="+mn-cs"/>
+                </a:defRPr>
+              </a:lvl2pPr>
+              <a:lvl3pPr marL="914400" algn="l" defTabSz="914400" rtl="0" eaLnBrk="1" latinLnBrk="0" hangingPunct="1">
+                <a:defRPr sz="1800" kern="1200">
+                  <a:solidFill>
+                    <a:schemeClr val="tx1"/>
+                  </a:solidFill>
+                  <a:latin typeface="+mn-lt"/>
+                  <a:ea typeface="+mn-ea"/>
+                  <a:cs typeface="+mn-cs"/>
+                </a:defRPr>
+              </a:lvl3pPr>
+              <a:lvl4pPr marL="1371600" algn="l" defTabSz="914400" rtl="0" eaLnBrk="1" latinLnBrk="0" hangingPunct="1">
+                <a:defRPr sz="1800" kern="1200">
+                  <a:solidFill>
+                    <a:schemeClr val="tx1"/>
+                  </a:solidFill>
+                  <a:latin typeface="+mn-lt"/>
+                  <a:ea typeface="+mn-ea"/>
+                  <a:cs typeface="+mn-cs"/>
+                </a:defRPr>
+              </a:lvl4pPr>
+              <a:lvl5pPr marL="1828800" algn="l" defTabSz="914400" rtl="0" eaLnBrk="1" latinLnBrk="0" hangingPunct="1">
+                <a:defRPr sz="1800" kern="1200">
+                  <a:solidFill>
+                    <a:schemeClr val="tx1"/>
+                  </a:solidFill>
+                  <a:latin typeface="+mn-lt"/>
+                  <a:ea typeface="+mn-ea"/>
+                  <a:cs typeface="+mn-cs"/>
+                </a:defRPr>
+              </a:lvl5pPr>
+              <a:lvl6pPr marL="2286000" algn="l" defTabSz="914400" rtl="0" eaLnBrk="1" latinLnBrk="0" hangingPunct="1">
+                <a:defRPr sz="1800" kern="1200">
+                  <a:solidFill>
+                    <a:schemeClr val="tx1"/>
+                  </a:solidFill>
+                  <a:latin typeface="+mn-lt"/>
+                  <a:ea typeface="+mn-ea"/>
+                  <a:cs typeface="+mn-cs"/>
+                </a:defRPr>
+              </a:lvl6pPr>
+              <a:lvl7pPr marL="2743200" algn="l" defTabSz="914400" rtl="0" eaLnBrk="1" latinLnBrk="0" hangingPunct="1">
+                <a:defRPr sz="1800" kern="1200">
+                  <a:solidFill>
+                    <a:schemeClr val="tx1"/>
+                  </a:solidFill>
+                  <a:latin typeface="+mn-lt"/>
+                  <a:ea typeface="+mn-ea"/>
+                  <a:cs typeface="+mn-cs"/>
+                </a:defRPr>
+              </a:lvl7pPr>
+              <a:lvl8pPr marL="3200400" algn="l" defTabSz="914400" rtl="0" eaLnBrk="1" latinLnBrk="0" hangingPunct="1">
+                <a:defRPr sz="1800" kern="1200">
+                  <a:solidFill>
+                    <a:schemeClr val="tx1"/>
+                  </a:solidFill>
+                  <a:latin typeface="+mn-lt"/>
+                  <a:ea typeface="+mn-ea"/>
+                  <a:cs typeface="+mn-cs"/>
+                </a:defRPr>
+              </a:lvl8pPr>
+              <a:lvl9pPr marL="3657600" algn="l" defTabSz="914400" rtl="0" eaLnBrk="1" latinLnBrk="0" hangingPunct="1">
+                <a:defRPr sz="1800" kern="1200">
+                  <a:solidFill>
+                    <a:schemeClr val="tx1"/>
+                  </a:solidFill>
+                  <a:latin typeface="+mn-lt"/>
+                  <a:ea typeface="+mn-ea"/>
+                  <a:cs typeface="+mn-cs"/>
+                </a:defRPr>
+              </a:lvl9pPr>
+            </a:lstStyle>
+            <a:p>
+              <a:r>
+                <a:rPr lang="en-US" dirty="0">
+                  <a:solidFill>
+                    <a:schemeClr val="bg1"/>
+                  </a:solidFill>
+                </a:rPr>
+                <a:t>7</a:t>
+              </a:r>
+            </a:p>
+          </p:txBody>
+        </p:sp>
+      </p:grpSp>
+      <p:grpSp>
+        <p:nvGrpSpPr>
+          <p:cNvPr id="31" name="Group 30">
+            <a:extLst>
+              <a:ext uri="{FF2B5EF4-FFF2-40B4-BE49-F238E27FC236}">
+                <a16:creationId xmlns:a16="http://schemas.microsoft.com/office/drawing/2014/main" id="{FEF1D5F8-F451-6340-ADF0-EE4CB1AFB09F}"/>
+              </a:ext>
+            </a:extLst>
+          </p:cNvPr>
+          <p:cNvGrpSpPr/>
+          <p:nvPr/>
+        </p:nvGrpSpPr>
+        <p:grpSpPr>
+          <a:xfrm>
+            <a:off x="3454576" y="3407303"/>
+            <a:ext cx="529722" cy="430481"/>
+            <a:chOff x="5243286" y="1690688"/>
+            <a:chExt cx="529722" cy="430481"/>
+          </a:xfrm>
+        </p:grpSpPr>
+        <p:sp>
+          <p:nvSpPr>
+            <p:cNvPr id="32" name="Oval 31" descr="d">
+              <a:extLst>
+                <a:ext uri="{FF2B5EF4-FFF2-40B4-BE49-F238E27FC236}">
+                  <a16:creationId xmlns:a16="http://schemas.microsoft.com/office/drawing/2014/main" id="{7ADF0892-40A8-1146-A5F4-BCB3814555DA}"/>
+                </a:ext>
+              </a:extLst>
+            </p:cNvPr>
+            <p:cNvSpPr/>
+            <p:nvPr/>
+          </p:nvSpPr>
+          <p:spPr>
+            <a:xfrm>
+              <a:off x="5243286" y="1690688"/>
+              <a:ext cx="461818" cy="430481"/>
+            </a:xfrm>
+            <a:prstGeom prst="ellipse">
+              <a:avLst/>
+            </a:prstGeom>
+            <a:solidFill>
+              <a:schemeClr val="dk1">
+                <a:alpha val="47000"/>
+              </a:schemeClr>
+            </a:solidFill>
+          </p:spPr>
+          <p:style>
+            <a:lnRef idx="2">
+              <a:schemeClr val="dk1">
+                <a:shade val="50000"/>
+              </a:schemeClr>
+            </a:lnRef>
+            <a:fillRef idx="1">
+              <a:schemeClr val="dk1"/>
+            </a:fillRef>
+            <a:effectRef idx="0">
+              <a:schemeClr val="dk1"/>
+            </a:effectRef>
+            <a:fontRef idx="minor">
+              <a:schemeClr val="lt1"/>
+            </a:fontRef>
+          </p:style>
+          <p:txBody>
+            <a:bodyPr rtlCol="0" anchor="ctr"/>
+            <a:lstStyle>
+              <a:defPPr>
+                <a:defRPr lang="en-US"/>
+              </a:defPPr>
+              <a:lvl1pPr marL="0" algn="l" defTabSz="914400" rtl="0" eaLnBrk="1" latinLnBrk="0" hangingPunct="1">
+                <a:defRPr sz="1800" kern="1200">
+                  <a:solidFill>
+                    <a:schemeClr val="lt1"/>
+                  </a:solidFill>
+                  <a:latin typeface="+mn-lt"/>
+                  <a:ea typeface="+mn-ea"/>
+                  <a:cs typeface="+mn-cs"/>
+                </a:defRPr>
+              </a:lvl1pPr>
+              <a:lvl2pPr marL="457200" algn="l" defTabSz="914400" rtl="0" eaLnBrk="1" latinLnBrk="0" hangingPunct="1">
+                <a:defRPr sz="1800" kern="1200">
+                  <a:solidFill>
+                    <a:schemeClr val="lt1"/>
+                  </a:solidFill>
+                  <a:latin typeface="+mn-lt"/>
+                  <a:ea typeface="+mn-ea"/>
+                  <a:cs typeface="+mn-cs"/>
+                </a:defRPr>
+              </a:lvl2pPr>
+              <a:lvl3pPr marL="914400" algn="l" defTabSz="914400" rtl="0" eaLnBrk="1" latinLnBrk="0" hangingPunct="1">
+                <a:defRPr sz="1800" kern="1200">
+                  <a:solidFill>
+                    <a:schemeClr val="lt1"/>
+                  </a:solidFill>
+                  <a:latin typeface="+mn-lt"/>
+                  <a:ea typeface="+mn-ea"/>
+                  <a:cs typeface="+mn-cs"/>
+                </a:defRPr>
+              </a:lvl3pPr>
+              <a:lvl4pPr marL="1371600" algn="l" defTabSz="914400" rtl="0" eaLnBrk="1" latinLnBrk="0" hangingPunct="1">
+                <a:defRPr sz="1800" kern="1200">
+                  <a:solidFill>
+                    <a:schemeClr val="lt1"/>
+                  </a:solidFill>
+                  <a:latin typeface="+mn-lt"/>
+                  <a:ea typeface="+mn-ea"/>
+                  <a:cs typeface="+mn-cs"/>
+                </a:defRPr>
+              </a:lvl4pPr>
+              <a:lvl5pPr marL="1828800" algn="l" defTabSz="914400" rtl="0" eaLnBrk="1" latinLnBrk="0" hangingPunct="1">
+                <a:defRPr sz="1800" kern="1200">
+                  <a:solidFill>
+                    <a:schemeClr val="lt1"/>
+                  </a:solidFill>
+                  <a:latin typeface="+mn-lt"/>
+                  <a:ea typeface="+mn-ea"/>
+                  <a:cs typeface="+mn-cs"/>
+                </a:defRPr>
+              </a:lvl5pPr>
+              <a:lvl6pPr marL="2286000" algn="l" defTabSz="914400" rtl="0" eaLnBrk="1" latinLnBrk="0" hangingPunct="1">
+                <a:defRPr sz="1800" kern="1200">
+                  <a:solidFill>
+                    <a:schemeClr val="lt1"/>
+                  </a:solidFill>
+                  <a:latin typeface="+mn-lt"/>
+                  <a:ea typeface="+mn-ea"/>
+                  <a:cs typeface="+mn-cs"/>
+                </a:defRPr>
+              </a:lvl6pPr>
+              <a:lvl7pPr marL="2743200" algn="l" defTabSz="914400" rtl="0" eaLnBrk="1" latinLnBrk="0" hangingPunct="1">
+                <a:defRPr sz="1800" kern="1200">
+                  <a:solidFill>
+                    <a:schemeClr val="lt1"/>
+                  </a:solidFill>
+                  <a:latin typeface="+mn-lt"/>
+                  <a:ea typeface="+mn-ea"/>
+                  <a:cs typeface="+mn-cs"/>
+                </a:defRPr>
+              </a:lvl7pPr>
+              <a:lvl8pPr marL="3200400" algn="l" defTabSz="914400" rtl="0" eaLnBrk="1" latinLnBrk="0" hangingPunct="1">
+                <a:defRPr sz="1800" kern="1200">
+                  <a:solidFill>
+                    <a:schemeClr val="lt1"/>
+                  </a:solidFill>
+                  <a:latin typeface="+mn-lt"/>
+                  <a:ea typeface="+mn-ea"/>
+                  <a:cs typeface="+mn-cs"/>
+                </a:defRPr>
+              </a:lvl8pPr>
+              <a:lvl9pPr marL="3657600" algn="l" defTabSz="914400" rtl="0" eaLnBrk="1" latinLnBrk="0" hangingPunct="1">
+                <a:defRPr sz="1800" kern="1200">
+                  <a:solidFill>
+                    <a:schemeClr val="lt1"/>
+                  </a:solidFill>
+                  <a:latin typeface="+mn-lt"/>
+                  <a:ea typeface="+mn-ea"/>
+                  <a:cs typeface="+mn-cs"/>
+                </a:defRPr>
+              </a:lvl9pPr>
+            </a:lstStyle>
+            <a:p>
+              <a:pPr algn="ctr"/>
+              <a:endParaRPr lang="en-US" dirty="0"/>
+            </a:p>
+          </p:txBody>
+        </p:sp>
+        <p:sp>
+          <p:nvSpPr>
+            <p:cNvPr id="33" name="TextBox 2">
+              <a:extLst>
+                <a:ext uri="{FF2B5EF4-FFF2-40B4-BE49-F238E27FC236}">
+                  <a16:creationId xmlns:a16="http://schemas.microsoft.com/office/drawing/2014/main" id="{7EF4B7D2-B92D-1A43-8E11-9821D199BA24}"/>
+                </a:ext>
+              </a:extLst>
+            </p:cNvPr>
+            <p:cNvSpPr txBox="1"/>
+            <p:nvPr/>
+          </p:nvSpPr>
+          <p:spPr>
+            <a:xfrm>
+              <a:off x="5311190" y="1717107"/>
+              <a:ext cx="461818" cy="369332"/>
+            </a:xfrm>
+            <a:prstGeom prst="rect">
+              <a:avLst/>
+            </a:prstGeom>
+            <a:noFill/>
+          </p:spPr>
+          <p:txBody>
+            <a:bodyPr wrap="square" rtlCol="0">
+              <a:spAutoFit/>
+            </a:bodyPr>
+            <a:lstStyle>
+              <a:defPPr>
+                <a:defRPr lang="en-US"/>
+              </a:defPPr>
+              <a:lvl1pPr marL="0" algn="l" defTabSz="914400" rtl="0" eaLnBrk="1" latinLnBrk="0" hangingPunct="1">
+                <a:defRPr sz="1800" kern="1200">
+                  <a:solidFill>
+                    <a:schemeClr val="tx1"/>
+                  </a:solidFill>
+                  <a:latin typeface="+mn-lt"/>
+                  <a:ea typeface="+mn-ea"/>
+                  <a:cs typeface="+mn-cs"/>
+                </a:defRPr>
+              </a:lvl1pPr>
+              <a:lvl2pPr marL="457200" algn="l" defTabSz="914400" rtl="0" eaLnBrk="1" latinLnBrk="0" hangingPunct="1">
+                <a:defRPr sz="1800" kern="1200">
+                  <a:solidFill>
+                    <a:schemeClr val="tx1"/>
+                  </a:solidFill>
+                  <a:latin typeface="+mn-lt"/>
+                  <a:ea typeface="+mn-ea"/>
+                  <a:cs typeface="+mn-cs"/>
+                </a:defRPr>
+              </a:lvl2pPr>
+              <a:lvl3pPr marL="914400" algn="l" defTabSz="914400" rtl="0" eaLnBrk="1" latinLnBrk="0" hangingPunct="1">
+                <a:defRPr sz="1800" kern="1200">
+                  <a:solidFill>
+                    <a:schemeClr val="tx1"/>
+                  </a:solidFill>
+                  <a:latin typeface="+mn-lt"/>
+                  <a:ea typeface="+mn-ea"/>
+                  <a:cs typeface="+mn-cs"/>
+                </a:defRPr>
+              </a:lvl3pPr>
+              <a:lvl4pPr marL="1371600" algn="l" defTabSz="914400" rtl="0" eaLnBrk="1" latinLnBrk="0" hangingPunct="1">
+                <a:defRPr sz="1800" kern="1200">
+                  <a:solidFill>
+                    <a:schemeClr val="tx1"/>
+                  </a:solidFill>
+                  <a:latin typeface="+mn-lt"/>
+                  <a:ea typeface="+mn-ea"/>
+                  <a:cs typeface="+mn-cs"/>
+                </a:defRPr>
+              </a:lvl4pPr>
+              <a:lvl5pPr marL="1828800" algn="l" defTabSz="914400" rtl="0" eaLnBrk="1" latinLnBrk="0" hangingPunct="1">
+                <a:defRPr sz="1800" kern="1200">
+                  <a:solidFill>
+                    <a:schemeClr val="tx1"/>
+                  </a:solidFill>
+                  <a:latin typeface="+mn-lt"/>
+                  <a:ea typeface="+mn-ea"/>
+                  <a:cs typeface="+mn-cs"/>
+                </a:defRPr>
+              </a:lvl5pPr>
+              <a:lvl6pPr marL="2286000" algn="l" defTabSz="914400" rtl="0" eaLnBrk="1" latinLnBrk="0" hangingPunct="1">
+                <a:defRPr sz="1800" kern="1200">
+                  <a:solidFill>
+                    <a:schemeClr val="tx1"/>
+                  </a:solidFill>
+                  <a:latin typeface="+mn-lt"/>
+                  <a:ea typeface="+mn-ea"/>
+                  <a:cs typeface="+mn-cs"/>
+                </a:defRPr>
+              </a:lvl6pPr>
+              <a:lvl7pPr marL="2743200" algn="l" defTabSz="914400" rtl="0" eaLnBrk="1" latinLnBrk="0" hangingPunct="1">
+                <a:defRPr sz="1800" kern="1200">
+                  <a:solidFill>
+                    <a:schemeClr val="tx1"/>
+                  </a:solidFill>
+                  <a:latin typeface="+mn-lt"/>
+                  <a:ea typeface="+mn-ea"/>
+                  <a:cs typeface="+mn-cs"/>
+                </a:defRPr>
+              </a:lvl7pPr>
+              <a:lvl8pPr marL="3200400" algn="l" defTabSz="914400" rtl="0" eaLnBrk="1" latinLnBrk="0" hangingPunct="1">
+                <a:defRPr sz="1800" kern="1200">
+                  <a:solidFill>
+                    <a:schemeClr val="tx1"/>
+                  </a:solidFill>
+                  <a:latin typeface="+mn-lt"/>
+                  <a:ea typeface="+mn-ea"/>
+                  <a:cs typeface="+mn-cs"/>
+                </a:defRPr>
+              </a:lvl8pPr>
+              <a:lvl9pPr marL="3657600" algn="l" defTabSz="914400" rtl="0" eaLnBrk="1" latinLnBrk="0" hangingPunct="1">
+                <a:defRPr sz="1800" kern="1200">
+                  <a:solidFill>
+                    <a:schemeClr val="tx1"/>
+                  </a:solidFill>
+                  <a:latin typeface="+mn-lt"/>
+                  <a:ea typeface="+mn-ea"/>
+                  <a:cs typeface="+mn-cs"/>
+                </a:defRPr>
+              </a:lvl9pPr>
+            </a:lstStyle>
+            <a:p>
+              <a:r>
+                <a:rPr lang="en-US" dirty="0">
+                  <a:solidFill>
+                    <a:schemeClr val="bg1"/>
+                  </a:solidFill>
+                </a:rPr>
+                <a:t>8</a:t>
+              </a:r>
+            </a:p>
+          </p:txBody>
+        </p:sp>
+      </p:grpSp>
+    </p:spTree>
+    <p:extLst>
+      <p:ext uri="{BB962C8B-B14F-4D97-AF65-F5344CB8AC3E}">
+        <p14:creationId xmlns:p14="http://schemas.microsoft.com/office/powerpoint/2010/main" val="7724457"/>
       </p:ext>
     </p:extLst>
   </p:cSld>

--- a/ppt/MCTS.pptx
+++ b/ppt/MCTS.pptx
@@ -3430,7 +3430,12 @@
             <p:ph type="title"/>
           </p:nvPr>
         </p:nvSpPr>
-        <p:spPr/>
+        <p:spPr>
+          <a:xfrm>
+            <a:off x="838200" y="336845"/>
+            <a:ext cx="10515600" cy="1325563"/>
+          </a:xfrm>
+        </p:spPr>
         <p:txBody>
           <a:bodyPr/>
           <a:lstStyle/>
@@ -3457,7 +3462,7 @@
           <p:nvPr>
             <p:extLst>
               <p:ext uri="{D42A27DB-BD31-4B8C-83A1-F6EECF244321}">
-                <p14:modId xmlns:p14="http://schemas.microsoft.com/office/powerpoint/2010/main" val="2540753383"/>
+                <p14:modId xmlns:p14="http://schemas.microsoft.com/office/powerpoint/2010/main" val="4270228347"/>
               </p:ext>
             </p:extLst>
           </p:nvPr>
@@ -3744,6 +3749,766 @@
         <p:txBody>
           <a:bodyPr rtlCol="0" anchor="ctr"/>
           <a:lstStyle/>
+          <a:p>
+            <a:pPr algn="ctr"/>
+            <a:endParaRPr lang="en-US"/>
+          </a:p>
+        </p:txBody>
+      </p:sp>
+      <p:graphicFrame>
+        <p:nvGraphicFramePr>
+          <p:cNvPr id="17" name="Table 7">
+            <a:extLst>
+              <a:ext uri="{FF2B5EF4-FFF2-40B4-BE49-F238E27FC236}">
+                <a16:creationId xmlns:a16="http://schemas.microsoft.com/office/drawing/2014/main" id="{030F2156-525D-374F-8DD8-9FBC069AF820}"/>
+              </a:ext>
+            </a:extLst>
+          </p:cNvPr>
+          <p:cNvGraphicFramePr>
+            <a:graphicFrameLocks noGrp="1"/>
+          </p:cNvGraphicFramePr>
+          <p:nvPr>
+            <p:extLst>
+              <p:ext uri="{D42A27DB-BD31-4B8C-83A1-F6EECF244321}">
+                <p14:modId xmlns:p14="http://schemas.microsoft.com/office/powerpoint/2010/main" val="4115863026"/>
+              </p:ext>
+            </p:extLst>
+          </p:nvPr>
+        </p:nvGraphicFramePr>
+        <p:xfrm>
+          <a:off x="4871276" y="2040499"/>
+          <a:ext cx="2107458" cy="1937736"/>
+        </p:xfrm>
+        <a:graphic>
+          <a:graphicData uri="http://schemas.openxmlformats.org/drawingml/2006/table">
+            <a:tbl>
+              <a:tblPr firstRow="1" bandRow="1">
+                <a:tableStyleId>{5940675A-B579-460E-94D1-54222C63F5DA}</a:tableStyleId>
+              </a:tblPr>
+              <a:tblGrid>
+                <a:gridCol w="702486">
+                  <a:extLst>
+                    <a:ext uri="{9D8B030D-6E8A-4147-A177-3AD203B41FA5}">
+                      <a16:colId xmlns:a16="http://schemas.microsoft.com/office/drawing/2014/main" val="3422725644"/>
+                    </a:ext>
+                  </a:extLst>
+                </a:gridCol>
+                <a:gridCol w="702486">
+                  <a:extLst>
+                    <a:ext uri="{9D8B030D-6E8A-4147-A177-3AD203B41FA5}">
+                      <a16:colId xmlns:a16="http://schemas.microsoft.com/office/drawing/2014/main" val="4162078977"/>
+                    </a:ext>
+                  </a:extLst>
+                </a:gridCol>
+                <a:gridCol w="702486">
+                  <a:extLst>
+                    <a:ext uri="{9D8B030D-6E8A-4147-A177-3AD203B41FA5}">
+                      <a16:colId xmlns:a16="http://schemas.microsoft.com/office/drawing/2014/main" val="3063146773"/>
+                    </a:ext>
+                  </a:extLst>
+                </a:gridCol>
+              </a:tblGrid>
+              <a:tr h="645912">
+                <a:tc>
+                  <a:txBody>
+                    <a:bodyPr/>
+                    <a:lstStyle/>
+                    <a:p>
+                      <a:endParaRPr lang="en-US"/>
+                    </a:p>
+                  </a:txBody>
+                  <a:tcPr/>
+                </a:tc>
+                <a:tc>
+                  <a:txBody>
+                    <a:bodyPr/>
+                    <a:lstStyle/>
+                    <a:p>
+                      <a:endParaRPr lang="en-US"/>
+                    </a:p>
+                  </a:txBody>
+                  <a:tcPr/>
+                </a:tc>
+                <a:tc>
+                  <a:txBody>
+                    <a:bodyPr/>
+                    <a:lstStyle/>
+                    <a:p>
+                      <a:endParaRPr lang="en-US"/>
+                    </a:p>
+                  </a:txBody>
+                  <a:tcPr/>
+                </a:tc>
+                <a:extLst>
+                  <a:ext uri="{0D108BD9-81ED-4DB2-BD59-A6C34878D82A}">
+                    <a16:rowId xmlns:a16="http://schemas.microsoft.com/office/drawing/2014/main" val="1308187709"/>
+                  </a:ext>
+                </a:extLst>
+              </a:tr>
+              <a:tr h="645912">
+                <a:tc>
+                  <a:txBody>
+                    <a:bodyPr/>
+                    <a:lstStyle/>
+                    <a:p>
+                      <a:endParaRPr lang="en-US"/>
+                    </a:p>
+                  </a:txBody>
+                  <a:tcPr/>
+                </a:tc>
+                <a:tc>
+                  <a:txBody>
+                    <a:bodyPr/>
+                    <a:lstStyle/>
+                    <a:p>
+                      <a:endParaRPr lang="en-US" dirty="0"/>
+                    </a:p>
+                  </a:txBody>
+                  <a:tcPr/>
+                </a:tc>
+                <a:tc>
+                  <a:txBody>
+                    <a:bodyPr/>
+                    <a:lstStyle/>
+                    <a:p>
+                      <a:endParaRPr lang="en-US"/>
+                    </a:p>
+                  </a:txBody>
+                  <a:tcPr/>
+                </a:tc>
+                <a:extLst>
+                  <a:ext uri="{0D108BD9-81ED-4DB2-BD59-A6C34878D82A}">
+                    <a16:rowId xmlns:a16="http://schemas.microsoft.com/office/drawing/2014/main" val="3562062163"/>
+                  </a:ext>
+                </a:extLst>
+              </a:tr>
+              <a:tr h="645912">
+                <a:tc>
+                  <a:txBody>
+                    <a:bodyPr/>
+                    <a:lstStyle/>
+                    <a:p>
+                      <a:endParaRPr lang="en-US"/>
+                    </a:p>
+                  </a:txBody>
+                  <a:tcPr/>
+                </a:tc>
+                <a:tc>
+                  <a:txBody>
+                    <a:bodyPr/>
+                    <a:lstStyle/>
+                    <a:p>
+                      <a:endParaRPr lang="en-US"/>
+                    </a:p>
+                  </a:txBody>
+                  <a:tcPr/>
+                </a:tc>
+                <a:tc>
+                  <a:txBody>
+                    <a:bodyPr/>
+                    <a:lstStyle/>
+                    <a:p>
+                      <a:endParaRPr lang="en-US" dirty="0"/>
+                    </a:p>
+                  </a:txBody>
+                  <a:tcPr/>
+                </a:tc>
+                <a:extLst>
+                  <a:ext uri="{0D108BD9-81ED-4DB2-BD59-A6C34878D82A}">
+                    <a16:rowId xmlns:a16="http://schemas.microsoft.com/office/drawing/2014/main" val="2318817883"/>
+                  </a:ext>
+                </a:extLst>
+              </a:tr>
+            </a:tbl>
+          </a:graphicData>
+        </a:graphic>
+      </p:graphicFrame>
+      <p:sp>
+        <p:nvSpPr>
+          <p:cNvPr id="18" name="Oval 17">
+            <a:extLst>
+              <a:ext uri="{FF2B5EF4-FFF2-40B4-BE49-F238E27FC236}">
+                <a16:creationId xmlns:a16="http://schemas.microsoft.com/office/drawing/2014/main" id="{45BC65AE-DA3B-D746-B2E6-0B52A6584AEF}"/>
+              </a:ext>
+            </a:extLst>
+          </p:cNvPr>
+          <p:cNvSpPr/>
+          <p:nvPr/>
+        </p:nvSpPr>
+        <p:spPr>
+          <a:xfrm>
+            <a:off x="4957219" y="2794125"/>
+            <a:ext cx="461818" cy="430481"/>
+          </a:xfrm>
+          <a:prstGeom prst="ellipse">
+            <a:avLst/>
+          </a:prstGeom>
+        </p:spPr>
+        <p:style>
+          <a:lnRef idx="2">
+            <a:schemeClr val="dk1">
+              <a:shade val="50000"/>
+            </a:schemeClr>
+          </a:lnRef>
+          <a:fillRef idx="1">
+            <a:schemeClr val="dk1"/>
+          </a:fillRef>
+          <a:effectRef idx="0">
+            <a:schemeClr val="dk1"/>
+          </a:effectRef>
+          <a:fontRef idx="minor">
+            <a:schemeClr val="lt1"/>
+          </a:fontRef>
+        </p:style>
+        <p:txBody>
+          <a:bodyPr rtlCol="0" anchor="ctr"/>
+          <a:lstStyle/>
+          <a:p>
+            <a:pPr algn="ctr"/>
+            <a:endParaRPr lang="en-US"/>
+          </a:p>
+        </p:txBody>
+      </p:sp>
+      <p:sp>
+        <p:nvSpPr>
+          <p:cNvPr id="19" name="Cross 18">
+            <a:extLst>
+              <a:ext uri="{FF2B5EF4-FFF2-40B4-BE49-F238E27FC236}">
+                <a16:creationId xmlns:a16="http://schemas.microsoft.com/office/drawing/2014/main" id="{04A23DAD-5086-7344-A09B-B0A5F0D51640}"/>
+              </a:ext>
+            </a:extLst>
+          </p:cNvPr>
+          <p:cNvSpPr/>
+          <p:nvPr/>
+        </p:nvSpPr>
+        <p:spPr>
+          <a:xfrm rot="18900000">
+            <a:off x="7121980" y="2596412"/>
+            <a:ext cx="605642" cy="605642"/>
+          </a:xfrm>
+          <a:prstGeom prst="plus">
+            <a:avLst>
+              <a:gd name="adj" fmla="val 38726"/>
+            </a:avLst>
+          </a:prstGeom>
+        </p:spPr>
+        <p:style>
+          <a:lnRef idx="2">
+            <a:schemeClr val="dk1">
+              <a:shade val="50000"/>
+            </a:schemeClr>
+          </a:lnRef>
+          <a:fillRef idx="1">
+            <a:schemeClr val="dk1"/>
+          </a:fillRef>
+          <a:effectRef idx="0">
+            <a:schemeClr val="dk1"/>
+          </a:effectRef>
+          <a:fontRef idx="minor">
+            <a:schemeClr val="lt1"/>
+          </a:fontRef>
+        </p:style>
+        <p:txBody>
+          <a:bodyPr rtlCol="0" anchor="ctr"/>
+          <a:lstStyle/>
+          <a:p>
+            <a:pPr algn="ctr"/>
+            <a:endParaRPr lang="en-US" dirty="0"/>
+          </a:p>
+        </p:txBody>
+      </p:sp>
+      <p:sp>
+        <p:nvSpPr>
+          <p:cNvPr id="20" name="Oval 19">
+            <a:extLst>
+              <a:ext uri="{FF2B5EF4-FFF2-40B4-BE49-F238E27FC236}">
+                <a16:creationId xmlns:a16="http://schemas.microsoft.com/office/drawing/2014/main" id="{0AA86311-665C-6740-B710-560C40424334}"/>
+              </a:ext>
+            </a:extLst>
+          </p:cNvPr>
+          <p:cNvSpPr/>
+          <p:nvPr/>
+        </p:nvSpPr>
+        <p:spPr>
+          <a:xfrm>
+            <a:off x="7173687" y="2040499"/>
+            <a:ext cx="461818" cy="430481"/>
+          </a:xfrm>
+          <a:prstGeom prst="ellipse">
+            <a:avLst/>
+          </a:prstGeom>
+        </p:spPr>
+        <p:style>
+          <a:lnRef idx="2">
+            <a:schemeClr val="dk1">
+              <a:shade val="50000"/>
+            </a:schemeClr>
+          </a:lnRef>
+          <a:fillRef idx="1">
+            <a:schemeClr val="dk1"/>
+          </a:fillRef>
+          <a:effectRef idx="0">
+            <a:schemeClr val="dk1"/>
+          </a:effectRef>
+          <a:fontRef idx="minor">
+            <a:schemeClr val="lt1"/>
+          </a:fontRef>
+        </p:style>
+        <p:txBody>
+          <a:bodyPr rtlCol="0" anchor="ctr"/>
+          <a:lstStyle/>
+          <a:p>
+            <a:pPr algn="ctr"/>
+            <a:endParaRPr lang="en-US"/>
+          </a:p>
+        </p:txBody>
+      </p:sp>
+      <p:pic>
+        <p:nvPicPr>
+          <p:cNvPr id="21" name="table">
+            <a:extLst>
+              <a:ext uri="{FF2B5EF4-FFF2-40B4-BE49-F238E27FC236}">
+                <a16:creationId xmlns:a16="http://schemas.microsoft.com/office/drawing/2014/main" id="{064748CB-8173-7B4A-B32D-3946D41D2A8B}"/>
+              </a:ext>
+            </a:extLst>
+          </p:cNvPr>
+          <p:cNvPicPr>
+            <a:picLocks noChangeAspect="1"/>
+          </p:cNvPicPr>
+          <p:nvPr/>
+        </p:nvPicPr>
+        <p:blipFill>
+          <a:blip r:embed="rId2"/>
+          <a:stretch>
+            <a:fillRect/>
+          </a:stretch>
+        </p:blipFill>
+        <p:spPr>
+          <a:xfrm>
+            <a:off x="4957219" y="4486895"/>
+            <a:ext cx="2107458" cy="1937736"/>
+          </a:xfrm>
+          <a:prstGeom prst="rect">
+            <a:avLst/>
+          </a:prstGeom>
+        </p:spPr>
+      </p:pic>
+      <p:sp>
+        <p:nvSpPr>
+          <p:cNvPr id="22" name="Oval 21">
+            <a:extLst>
+              <a:ext uri="{FF2B5EF4-FFF2-40B4-BE49-F238E27FC236}">
+                <a16:creationId xmlns:a16="http://schemas.microsoft.com/office/drawing/2014/main" id="{2A4527EB-3204-C348-B703-7BE4A3202E6B}"/>
+              </a:ext>
+            </a:extLst>
+          </p:cNvPr>
+          <p:cNvSpPr/>
+          <p:nvPr/>
+        </p:nvSpPr>
+        <p:spPr>
+          <a:xfrm>
+            <a:off x="5780039" y="5240522"/>
+            <a:ext cx="461818" cy="430481"/>
+          </a:xfrm>
+          <a:prstGeom prst="ellipse">
+            <a:avLst/>
+          </a:prstGeom>
+        </p:spPr>
+        <p:style>
+          <a:lnRef idx="2">
+            <a:schemeClr val="dk1">
+              <a:shade val="50000"/>
+            </a:schemeClr>
+          </a:lnRef>
+          <a:fillRef idx="1">
+            <a:schemeClr val="dk1"/>
+          </a:fillRef>
+          <a:effectRef idx="0">
+            <a:schemeClr val="dk1"/>
+          </a:effectRef>
+          <a:fontRef idx="minor">
+            <a:schemeClr val="lt1"/>
+          </a:fontRef>
+        </p:style>
+        <p:txBody>
+          <a:bodyPr rtlCol="0" anchor="ctr"/>
+          <a:lstStyle>
+            <a:defPPr>
+              <a:defRPr lang="en-US"/>
+            </a:defPPr>
+            <a:lvl1pPr marL="0" algn="l" defTabSz="914400" rtl="0" eaLnBrk="1" latinLnBrk="0" hangingPunct="1">
+              <a:defRPr sz="1800" kern="1200">
+                <a:solidFill>
+                  <a:schemeClr val="lt1"/>
+                </a:solidFill>
+                <a:latin typeface="+mn-lt"/>
+                <a:ea typeface="+mn-ea"/>
+                <a:cs typeface="+mn-cs"/>
+              </a:defRPr>
+            </a:lvl1pPr>
+            <a:lvl2pPr marL="457200" algn="l" defTabSz="914400" rtl="0" eaLnBrk="1" latinLnBrk="0" hangingPunct="1">
+              <a:defRPr sz="1800" kern="1200">
+                <a:solidFill>
+                  <a:schemeClr val="lt1"/>
+                </a:solidFill>
+                <a:latin typeface="+mn-lt"/>
+                <a:ea typeface="+mn-ea"/>
+                <a:cs typeface="+mn-cs"/>
+              </a:defRPr>
+            </a:lvl2pPr>
+            <a:lvl3pPr marL="914400" algn="l" defTabSz="914400" rtl="0" eaLnBrk="1" latinLnBrk="0" hangingPunct="1">
+              <a:defRPr sz="1800" kern="1200">
+                <a:solidFill>
+                  <a:schemeClr val="lt1"/>
+                </a:solidFill>
+                <a:latin typeface="+mn-lt"/>
+                <a:ea typeface="+mn-ea"/>
+                <a:cs typeface="+mn-cs"/>
+              </a:defRPr>
+            </a:lvl3pPr>
+            <a:lvl4pPr marL="1371600" algn="l" defTabSz="914400" rtl="0" eaLnBrk="1" latinLnBrk="0" hangingPunct="1">
+              <a:defRPr sz="1800" kern="1200">
+                <a:solidFill>
+                  <a:schemeClr val="lt1"/>
+                </a:solidFill>
+                <a:latin typeface="+mn-lt"/>
+                <a:ea typeface="+mn-ea"/>
+                <a:cs typeface="+mn-cs"/>
+              </a:defRPr>
+            </a:lvl4pPr>
+            <a:lvl5pPr marL="1828800" algn="l" defTabSz="914400" rtl="0" eaLnBrk="1" latinLnBrk="0" hangingPunct="1">
+              <a:defRPr sz="1800" kern="1200">
+                <a:solidFill>
+                  <a:schemeClr val="lt1"/>
+                </a:solidFill>
+                <a:latin typeface="+mn-lt"/>
+                <a:ea typeface="+mn-ea"/>
+                <a:cs typeface="+mn-cs"/>
+              </a:defRPr>
+            </a:lvl5pPr>
+            <a:lvl6pPr marL="2286000" algn="l" defTabSz="914400" rtl="0" eaLnBrk="1" latinLnBrk="0" hangingPunct="1">
+              <a:defRPr sz="1800" kern="1200">
+                <a:solidFill>
+                  <a:schemeClr val="lt1"/>
+                </a:solidFill>
+                <a:latin typeface="+mn-lt"/>
+                <a:ea typeface="+mn-ea"/>
+                <a:cs typeface="+mn-cs"/>
+              </a:defRPr>
+            </a:lvl6pPr>
+            <a:lvl7pPr marL="2743200" algn="l" defTabSz="914400" rtl="0" eaLnBrk="1" latinLnBrk="0" hangingPunct="1">
+              <a:defRPr sz="1800" kern="1200">
+                <a:solidFill>
+                  <a:schemeClr val="lt1"/>
+                </a:solidFill>
+                <a:latin typeface="+mn-lt"/>
+                <a:ea typeface="+mn-ea"/>
+                <a:cs typeface="+mn-cs"/>
+              </a:defRPr>
+            </a:lvl7pPr>
+            <a:lvl8pPr marL="3200400" algn="l" defTabSz="914400" rtl="0" eaLnBrk="1" latinLnBrk="0" hangingPunct="1">
+              <a:defRPr sz="1800" kern="1200">
+                <a:solidFill>
+                  <a:schemeClr val="lt1"/>
+                </a:solidFill>
+                <a:latin typeface="+mn-lt"/>
+                <a:ea typeface="+mn-ea"/>
+                <a:cs typeface="+mn-cs"/>
+              </a:defRPr>
+            </a:lvl8pPr>
+            <a:lvl9pPr marL="3657600" algn="l" defTabSz="914400" rtl="0" eaLnBrk="1" latinLnBrk="0" hangingPunct="1">
+              <a:defRPr sz="1800" kern="1200">
+                <a:solidFill>
+                  <a:schemeClr val="lt1"/>
+                </a:solidFill>
+                <a:latin typeface="+mn-lt"/>
+                <a:ea typeface="+mn-ea"/>
+                <a:cs typeface="+mn-cs"/>
+              </a:defRPr>
+            </a:lvl9pPr>
+          </a:lstStyle>
+          <a:p>
+            <a:pPr algn="ctr"/>
+            <a:endParaRPr lang="en-US"/>
+          </a:p>
+        </p:txBody>
+      </p:sp>
+      <p:sp>
+        <p:nvSpPr>
+          <p:cNvPr id="23" name="Cross 22">
+            <a:extLst>
+              <a:ext uri="{FF2B5EF4-FFF2-40B4-BE49-F238E27FC236}">
+                <a16:creationId xmlns:a16="http://schemas.microsoft.com/office/drawing/2014/main" id="{83D7F964-CB9C-7947-854F-2F42DD040DBF}"/>
+              </a:ext>
+            </a:extLst>
+          </p:cNvPr>
+          <p:cNvSpPr/>
+          <p:nvPr/>
+        </p:nvSpPr>
+        <p:spPr>
+          <a:xfrm rot="18900000">
+            <a:off x="7207923" y="5042808"/>
+            <a:ext cx="605642" cy="605642"/>
+          </a:xfrm>
+          <a:prstGeom prst="plus">
+            <a:avLst>
+              <a:gd name="adj" fmla="val 38726"/>
+            </a:avLst>
+          </a:prstGeom>
+        </p:spPr>
+        <p:style>
+          <a:lnRef idx="2">
+            <a:schemeClr val="dk1">
+              <a:shade val="50000"/>
+            </a:schemeClr>
+          </a:lnRef>
+          <a:fillRef idx="1">
+            <a:schemeClr val="dk1"/>
+          </a:fillRef>
+          <a:effectRef idx="0">
+            <a:schemeClr val="dk1"/>
+          </a:effectRef>
+          <a:fontRef idx="minor">
+            <a:schemeClr val="lt1"/>
+          </a:fontRef>
+        </p:style>
+        <p:txBody>
+          <a:bodyPr rtlCol="0" anchor="ctr"/>
+          <a:lstStyle>
+            <a:defPPr>
+              <a:defRPr lang="en-US"/>
+            </a:defPPr>
+            <a:lvl1pPr marL="0" algn="l" defTabSz="914400" rtl="0" eaLnBrk="1" latinLnBrk="0" hangingPunct="1">
+              <a:defRPr sz="1800" kern="1200">
+                <a:solidFill>
+                  <a:schemeClr val="lt1"/>
+                </a:solidFill>
+                <a:latin typeface="+mn-lt"/>
+                <a:ea typeface="+mn-ea"/>
+                <a:cs typeface="+mn-cs"/>
+              </a:defRPr>
+            </a:lvl1pPr>
+            <a:lvl2pPr marL="457200" algn="l" defTabSz="914400" rtl="0" eaLnBrk="1" latinLnBrk="0" hangingPunct="1">
+              <a:defRPr sz="1800" kern="1200">
+                <a:solidFill>
+                  <a:schemeClr val="lt1"/>
+                </a:solidFill>
+                <a:latin typeface="+mn-lt"/>
+                <a:ea typeface="+mn-ea"/>
+                <a:cs typeface="+mn-cs"/>
+              </a:defRPr>
+            </a:lvl2pPr>
+            <a:lvl3pPr marL="914400" algn="l" defTabSz="914400" rtl="0" eaLnBrk="1" latinLnBrk="0" hangingPunct="1">
+              <a:defRPr sz="1800" kern="1200">
+                <a:solidFill>
+                  <a:schemeClr val="lt1"/>
+                </a:solidFill>
+                <a:latin typeface="+mn-lt"/>
+                <a:ea typeface="+mn-ea"/>
+                <a:cs typeface="+mn-cs"/>
+              </a:defRPr>
+            </a:lvl3pPr>
+            <a:lvl4pPr marL="1371600" algn="l" defTabSz="914400" rtl="0" eaLnBrk="1" latinLnBrk="0" hangingPunct="1">
+              <a:defRPr sz="1800" kern="1200">
+                <a:solidFill>
+                  <a:schemeClr val="lt1"/>
+                </a:solidFill>
+                <a:latin typeface="+mn-lt"/>
+                <a:ea typeface="+mn-ea"/>
+                <a:cs typeface="+mn-cs"/>
+              </a:defRPr>
+            </a:lvl4pPr>
+            <a:lvl5pPr marL="1828800" algn="l" defTabSz="914400" rtl="0" eaLnBrk="1" latinLnBrk="0" hangingPunct="1">
+              <a:defRPr sz="1800" kern="1200">
+                <a:solidFill>
+                  <a:schemeClr val="lt1"/>
+                </a:solidFill>
+                <a:latin typeface="+mn-lt"/>
+                <a:ea typeface="+mn-ea"/>
+                <a:cs typeface="+mn-cs"/>
+              </a:defRPr>
+            </a:lvl5pPr>
+            <a:lvl6pPr marL="2286000" algn="l" defTabSz="914400" rtl="0" eaLnBrk="1" latinLnBrk="0" hangingPunct="1">
+              <a:defRPr sz="1800" kern="1200">
+                <a:solidFill>
+                  <a:schemeClr val="lt1"/>
+                </a:solidFill>
+                <a:latin typeface="+mn-lt"/>
+                <a:ea typeface="+mn-ea"/>
+                <a:cs typeface="+mn-cs"/>
+              </a:defRPr>
+            </a:lvl6pPr>
+            <a:lvl7pPr marL="2743200" algn="l" defTabSz="914400" rtl="0" eaLnBrk="1" latinLnBrk="0" hangingPunct="1">
+              <a:defRPr sz="1800" kern="1200">
+                <a:solidFill>
+                  <a:schemeClr val="lt1"/>
+                </a:solidFill>
+                <a:latin typeface="+mn-lt"/>
+                <a:ea typeface="+mn-ea"/>
+                <a:cs typeface="+mn-cs"/>
+              </a:defRPr>
+            </a:lvl7pPr>
+            <a:lvl8pPr marL="3200400" algn="l" defTabSz="914400" rtl="0" eaLnBrk="1" latinLnBrk="0" hangingPunct="1">
+              <a:defRPr sz="1800" kern="1200">
+                <a:solidFill>
+                  <a:schemeClr val="lt1"/>
+                </a:solidFill>
+                <a:latin typeface="+mn-lt"/>
+                <a:ea typeface="+mn-ea"/>
+                <a:cs typeface="+mn-cs"/>
+              </a:defRPr>
+            </a:lvl8pPr>
+            <a:lvl9pPr marL="3657600" algn="l" defTabSz="914400" rtl="0" eaLnBrk="1" latinLnBrk="0" hangingPunct="1">
+              <a:defRPr sz="1800" kern="1200">
+                <a:solidFill>
+                  <a:schemeClr val="lt1"/>
+                </a:solidFill>
+                <a:latin typeface="+mn-lt"/>
+                <a:ea typeface="+mn-ea"/>
+                <a:cs typeface="+mn-cs"/>
+              </a:defRPr>
+            </a:lvl9pPr>
+          </a:lstStyle>
+          <a:p>
+            <a:pPr algn="ctr"/>
+            <a:endParaRPr lang="en-US" dirty="0"/>
+          </a:p>
+        </p:txBody>
+      </p:sp>
+      <p:sp>
+        <p:nvSpPr>
+          <p:cNvPr id="24" name="Oval 23">
+            <a:extLst>
+              <a:ext uri="{FF2B5EF4-FFF2-40B4-BE49-F238E27FC236}">
+                <a16:creationId xmlns:a16="http://schemas.microsoft.com/office/drawing/2014/main" id="{2E7EFCC6-5814-A445-8321-0E53E19755AA}"/>
+              </a:ext>
+            </a:extLst>
+          </p:cNvPr>
+          <p:cNvSpPr/>
+          <p:nvPr/>
+        </p:nvSpPr>
+        <p:spPr>
+          <a:xfrm>
+            <a:off x="7259630" y="4486895"/>
+            <a:ext cx="461818" cy="430481"/>
+          </a:xfrm>
+          <a:prstGeom prst="ellipse">
+            <a:avLst/>
+          </a:prstGeom>
+        </p:spPr>
+        <p:style>
+          <a:lnRef idx="2">
+            <a:schemeClr val="dk1">
+              <a:shade val="50000"/>
+            </a:schemeClr>
+          </a:lnRef>
+          <a:fillRef idx="1">
+            <a:schemeClr val="dk1"/>
+          </a:fillRef>
+          <a:effectRef idx="0">
+            <a:schemeClr val="dk1"/>
+          </a:effectRef>
+          <a:fontRef idx="minor">
+            <a:schemeClr val="lt1"/>
+          </a:fontRef>
+        </p:style>
+        <p:txBody>
+          <a:bodyPr rtlCol="0" anchor="ctr"/>
+          <a:lstStyle>
+            <a:defPPr>
+              <a:defRPr lang="en-US"/>
+            </a:defPPr>
+            <a:lvl1pPr marL="0" algn="l" defTabSz="914400" rtl="0" eaLnBrk="1" latinLnBrk="0" hangingPunct="1">
+              <a:defRPr sz="1800" kern="1200">
+                <a:solidFill>
+                  <a:schemeClr val="lt1"/>
+                </a:solidFill>
+                <a:latin typeface="+mn-lt"/>
+                <a:ea typeface="+mn-ea"/>
+                <a:cs typeface="+mn-cs"/>
+              </a:defRPr>
+            </a:lvl1pPr>
+            <a:lvl2pPr marL="457200" algn="l" defTabSz="914400" rtl="0" eaLnBrk="1" latinLnBrk="0" hangingPunct="1">
+              <a:defRPr sz="1800" kern="1200">
+                <a:solidFill>
+                  <a:schemeClr val="lt1"/>
+                </a:solidFill>
+                <a:latin typeface="+mn-lt"/>
+                <a:ea typeface="+mn-ea"/>
+                <a:cs typeface="+mn-cs"/>
+              </a:defRPr>
+            </a:lvl2pPr>
+            <a:lvl3pPr marL="914400" algn="l" defTabSz="914400" rtl="0" eaLnBrk="1" latinLnBrk="0" hangingPunct="1">
+              <a:defRPr sz="1800" kern="1200">
+                <a:solidFill>
+                  <a:schemeClr val="lt1"/>
+                </a:solidFill>
+                <a:latin typeface="+mn-lt"/>
+                <a:ea typeface="+mn-ea"/>
+                <a:cs typeface="+mn-cs"/>
+              </a:defRPr>
+            </a:lvl3pPr>
+            <a:lvl4pPr marL="1371600" algn="l" defTabSz="914400" rtl="0" eaLnBrk="1" latinLnBrk="0" hangingPunct="1">
+              <a:defRPr sz="1800" kern="1200">
+                <a:solidFill>
+                  <a:schemeClr val="lt1"/>
+                </a:solidFill>
+                <a:latin typeface="+mn-lt"/>
+                <a:ea typeface="+mn-ea"/>
+                <a:cs typeface="+mn-cs"/>
+              </a:defRPr>
+            </a:lvl4pPr>
+            <a:lvl5pPr marL="1828800" algn="l" defTabSz="914400" rtl="0" eaLnBrk="1" latinLnBrk="0" hangingPunct="1">
+              <a:defRPr sz="1800" kern="1200">
+                <a:solidFill>
+                  <a:schemeClr val="lt1"/>
+                </a:solidFill>
+                <a:latin typeface="+mn-lt"/>
+                <a:ea typeface="+mn-ea"/>
+                <a:cs typeface="+mn-cs"/>
+              </a:defRPr>
+            </a:lvl5pPr>
+            <a:lvl6pPr marL="2286000" algn="l" defTabSz="914400" rtl="0" eaLnBrk="1" latinLnBrk="0" hangingPunct="1">
+              <a:defRPr sz="1800" kern="1200">
+                <a:solidFill>
+                  <a:schemeClr val="lt1"/>
+                </a:solidFill>
+                <a:latin typeface="+mn-lt"/>
+                <a:ea typeface="+mn-ea"/>
+                <a:cs typeface="+mn-cs"/>
+              </a:defRPr>
+            </a:lvl6pPr>
+            <a:lvl7pPr marL="2743200" algn="l" defTabSz="914400" rtl="0" eaLnBrk="1" latinLnBrk="0" hangingPunct="1">
+              <a:defRPr sz="1800" kern="1200">
+                <a:solidFill>
+                  <a:schemeClr val="lt1"/>
+                </a:solidFill>
+                <a:latin typeface="+mn-lt"/>
+                <a:ea typeface="+mn-ea"/>
+                <a:cs typeface="+mn-cs"/>
+              </a:defRPr>
+            </a:lvl7pPr>
+            <a:lvl8pPr marL="3200400" algn="l" defTabSz="914400" rtl="0" eaLnBrk="1" latinLnBrk="0" hangingPunct="1">
+              <a:defRPr sz="1800" kern="1200">
+                <a:solidFill>
+                  <a:schemeClr val="lt1"/>
+                </a:solidFill>
+                <a:latin typeface="+mn-lt"/>
+                <a:ea typeface="+mn-ea"/>
+                <a:cs typeface="+mn-cs"/>
+              </a:defRPr>
+            </a:lvl8pPr>
+            <a:lvl9pPr marL="3657600" algn="l" defTabSz="914400" rtl="0" eaLnBrk="1" latinLnBrk="0" hangingPunct="1">
+              <a:defRPr sz="1800" kern="1200">
+                <a:solidFill>
+                  <a:schemeClr val="lt1"/>
+                </a:solidFill>
+                <a:latin typeface="+mn-lt"/>
+                <a:ea typeface="+mn-ea"/>
+                <a:cs typeface="+mn-cs"/>
+              </a:defRPr>
+            </a:lvl9pPr>
+          </a:lstStyle>
           <a:p>
             <a:pPr algn="ctr"/>
             <a:endParaRPr lang="en-US"/>
